--- a/Final Project.pptx
+++ b/Final Project.pptx
@@ -4751,7 +4751,7 @@
         <p:spPr>
           <a:xfrm>
             <a:off x="1212485" y="1260072"/>
-            <a:ext cx="7292702" cy="338554"/>
+            <a:ext cx="7335854" cy="338554"/>
           </a:xfrm>
           <a:prstGeom prst="rect">
             <a:avLst/>
@@ -4766,7 +4766,7 @@
           <a:p>
             <a:r>
               <a:rPr lang="en-US" sz="1600" dirty="0"/>
-              <a:t>Once the project is deployed, you can check containers running command (docker </a:t>
+              <a:t>Once the project is deployed,  check containers are running with command (docker </a:t>
             </a:r>
             <a:r>
               <a:rPr lang="en-US" sz="1600" dirty="0" err="1"/>
@@ -5116,7 +5116,7 @@
         <p:spPr>
           <a:xfrm>
             <a:off x="1405432" y="1171072"/>
-            <a:ext cx="6519670" cy="584775"/>
+            <a:ext cx="6660862" cy="584775"/>
           </a:xfrm>
           <a:prstGeom prst="rect">
             <a:avLst/>
@@ -5131,7 +5131,7 @@
           <a:p>
             <a:r>
               <a:rPr lang="en-US" sz="1600" dirty="0"/>
-              <a:t>Once the process has finished you should be able to see a message like this. </a:t>
+              <a:t>Once the process has finished a message like this should appear in the screen. </a:t>
             </a:r>
             <a:br>
               <a:rPr lang="en-US" sz="1600" dirty="0"/>

--- a/Final Project.pptx
+++ b/Final Project.pptx
@@ -16,12 +16,13 @@
     <p:sldId id="264" r:id="rId10"/>
     <p:sldId id="265" r:id="rId11"/>
     <p:sldId id="266" r:id="rId12"/>
-    <p:sldId id="267" r:id="rId13"/>
-    <p:sldId id="268" r:id="rId14"/>
-    <p:sldId id="269" r:id="rId15"/>
-    <p:sldId id="270" r:id="rId16"/>
-    <p:sldId id="271" r:id="rId17"/>
-    <p:sldId id="272" r:id="rId18"/>
+    <p:sldId id="273" r:id="rId13"/>
+    <p:sldId id="267" r:id="rId14"/>
+    <p:sldId id="268" r:id="rId15"/>
+    <p:sldId id="269" r:id="rId16"/>
+    <p:sldId id="270" r:id="rId17"/>
+    <p:sldId id="271" r:id="rId18"/>
+    <p:sldId id="272" r:id="rId19"/>
   </p:sldIdLst>
   <p:sldSz cx="12192000" cy="6858000"/>
   <p:notesSz cx="6858000" cy="9144000"/>
@@ -4161,7 +4162,7 @@
           <p:cNvPr id="2" name="TextBox 1">
             <a:extLst>
               <a:ext uri="{FF2B5EF4-FFF2-40B4-BE49-F238E27FC236}">
-                <a16:creationId xmlns:a16="http://schemas.microsoft.com/office/drawing/2014/main" id="{57A24685-9923-48EC-8430-266914C30B45}"/>
+                <a16:creationId xmlns:a16="http://schemas.microsoft.com/office/drawing/2014/main" id="{AC5D9D9E-6439-4368-8736-250E699D6470}"/>
               </a:ext>
             </a:extLst>
           </p:cNvPr>
@@ -4197,7 +4198,7 @@
           <p:cNvPr id="3" name="Rectangle 2">
             <a:extLst>
               <a:ext uri="{FF2B5EF4-FFF2-40B4-BE49-F238E27FC236}">
-                <a16:creationId xmlns:a16="http://schemas.microsoft.com/office/drawing/2014/main" id="{F7BFFE9A-F5C7-469D-9FA7-F5D60174E612}"/>
+                <a16:creationId xmlns:a16="http://schemas.microsoft.com/office/drawing/2014/main" id="{D30C0CDA-87C5-4ED7-A5AD-F3E81455204F}"/>
               </a:ext>
             </a:extLst>
           </p:cNvPr>
@@ -4246,12 +4247,48 @@
           </a:p>
         </p:txBody>
       </p:sp>
-      <p:sp>
-        <p:nvSpPr>
-          <p:cNvPr id="4" name="TextBox 3">
-            <a:extLst>
-              <a:ext uri="{FF2B5EF4-FFF2-40B4-BE49-F238E27FC236}">
-                <a16:creationId xmlns:a16="http://schemas.microsoft.com/office/drawing/2014/main" id="{A8195FC1-5919-471B-A388-2118F88FC936}"/>
+      <p:pic>
+        <p:nvPicPr>
+          <p:cNvPr id="5" name="Picture 4">
+            <a:extLst>
+              <a:ext uri="{FF2B5EF4-FFF2-40B4-BE49-F238E27FC236}">
+                <a16:creationId xmlns:a16="http://schemas.microsoft.com/office/drawing/2014/main" id="{18B5972B-F22D-4E54-ADF1-2A80EEA8290A}"/>
+              </a:ext>
+            </a:extLst>
+          </p:cNvPr>
+          <p:cNvPicPr>
+            <a:picLocks noChangeAspect="1"/>
+          </p:cNvPicPr>
+          <p:nvPr/>
+        </p:nvPicPr>
+        <p:blipFill>
+          <a:blip r:embed="rId2">
+            <a:extLst>
+              <a:ext uri="{28A0092B-C50C-407E-A947-70E740481C1C}">
+                <a14:useLocalDpi xmlns:a14="http://schemas.microsoft.com/office/drawing/2010/main" val="0"/>
+              </a:ext>
+            </a:extLst>
+          </a:blip>
+          <a:stretch>
+            <a:fillRect/>
+          </a:stretch>
+        </p:blipFill>
+        <p:spPr>
+          <a:xfrm>
+            <a:off x="1124124" y="1768805"/>
+            <a:ext cx="9919855" cy="4053034"/>
+          </a:xfrm>
+          <a:prstGeom prst="rect">
+            <a:avLst/>
+          </a:prstGeom>
+        </p:spPr>
+      </p:pic>
+      <p:sp>
+        <p:nvSpPr>
+          <p:cNvPr id="6" name="TextBox 5">
+            <a:extLst>
+              <a:ext uri="{FF2B5EF4-FFF2-40B4-BE49-F238E27FC236}">
+                <a16:creationId xmlns:a16="http://schemas.microsoft.com/office/drawing/2014/main" id="{094919DA-6587-439F-82EB-E453550D712D}"/>
               </a:ext>
             </a:extLst>
           </p:cNvPr>
@@ -4260,8 +4297,8 @@
         </p:nvSpPr>
         <p:spPr>
           <a:xfrm>
-            <a:off x="1514490" y="1663529"/>
-            <a:ext cx="3996672" cy="1162113"/>
+            <a:off x="1400962" y="1222821"/>
+            <a:ext cx="4517390" cy="307777"/>
           </a:xfrm>
           <a:prstGeom prst="rect">
             <a:avLst/>
@@ -4274,54 +4311,19 @@
           </a:bodyPr>
           <a:lstStyle/>
           <a:p>
-            <a:pPr>
-              <a:lnSpc>
-                <a:spcPct val="150000"/>
-              </a:lnSpc>
-            </a:pPr>
-            <a:r>
-              <a:rPr lang="en-US" sz="1600" dirty="0"/>
-              <a:t>git pull the repository</a:t>
-            </a:r>
-          </a:p>
-          <a:p>
-            <a:pPr>
-              <a:lnSpc>
-                <a:spcPct val="150000"/>
-              </a:lnSpc>
-            </a:pPr>
-            <a:r>
-              <a:rPr lang="en-US" sz="1600" dirty="0"/>
-              <a:t>cp .</a:t>
-            </a:r>
-            <a:r>
-              <a:rPr lang="en-US" sz="1600" dirty="0" err="1"/>
-              <a:t>env.sample</a:t>
-            </a:r>
-            <a:r>
-              <a:rPr lang="en-US" sz="1600" dirty="0"/>
-              <a:t>  .env</a:t>
-            </a:r>
-          </a:p>
-          <a:p>
-            <a:pPr>
-              <a:lnSpc>
-                <a:spcPct val="150000"/>
-              </a:lnSpc>
-            </a:pPr>
-            <a:r>
-              <a:rPr lang="en-US" sz="1600" dirty="0"/>
-              <a:t>deploying the project (docker-compose up -d)</a:t>
-            </a:r>
-          </a:p>
-        </p:txBody>
-      </p:sp>
-      <p:sp>
-        <p:nvSpPr>
-          <p:cNvPr id="5" name="Isosceles Triangle 4">
-            <a:extLst>
-              <a:ext uri="{FF2B5EF4-FFF2-40B4-BE49-F238E27FC236}">
-                <a16:creationId xmlns:a16="http://schemas.microsoft.com/office/drawing/2014/main" id="{C85ECD60-E5E0-4483-A873-0C3618417B19}"/>
+            <a:r>
+              <a:rPr lang="en-US" sz="1400" dirty="0"/>
+              <a:t>In the device section, the instance should appear deployed.</a:t>
+            </a:r>
+          </a:p>
+        </p:txBody>
+      </p:sp>
+      <p:sp>
+        <p:nvSpPr>
+          <p:cNvPr id="7" name="Isosceles Triangle 6">
+            <a:extLst>
+              <a:ext uri="{FF2B5EF4-FFF2-40B4-BE49-F238E27FC236}">
+                <a16:creationId xmlns:a16="http://schemas.microsoft.com/office/drawing/2014/main" id="{F386F8C0-C8C2-4B15-BAAD-71E683C33A14}"/>
               </a:ext>
             </a:extLst>
           </p:cNvPr>
@@ -4330,7 +4332,7 @@
         </p:nvSpPr>
         <p:spPr>
           <a:xfrm rot="5400000">
-            <a:off x="1204096" y="1866194"/>
+            <a:off x="1115735" y="1325040"/>
             <a:ext cx="125835" cy="109057"/>
           </a:xfrm>
           <a:prstGeom prst="triangle">
@@ -4370,256 +4372,10 @@
           </a:p>
         </p:txBody>
       </p:sp>
-      <p:sp>
-        <p:nvSpPr>
-          <p:cNvPr id="6" name="Isosceles Triangle 5">
-            <a:extLst>
-              <a:ext uri="{FF2B5EF4-FFF2-40B4-BE49-F238E27FC236}">
-                <a16:creationId xmlns:a16="http://schemas.microsoft.com/office/drawing/2014/main" id="{94464532-D194-4295-A4DD-06BDA7E5B810}"/>
-              </a:ext>
-            </a:extLst>
-          </p:cNvPr>
-          <p:cNvSpPr/>
-          <p:nvPr/>
-        </p:nvSpPr>
-        <p:spPr>
-          <a:xfrm rot="5400000">
-            <a:off x="1204097" y="2275398"/>
-            <a:ext cx="125835" cy="109057"/>
-          </a:xfrm>
-          <a:prstGeom prst="triangle">
-            <a:avLst/>
-          </a:prstGeom>
-          <a:solidFill>
-            <a:schemeClr val="accent2"/>
-          </a:solidFill>
-          <a:ln>
-            <a:solidFill>
-              <a:schemeClr val="accent2"/>
-            </a:solidFill>
-          </a:ln>
-        </p:spPr>
-        <p:style>
-          <a:lnRef idx="2">
-            <a:schemeClr val="accent1">
-              <a:shade val="50000"/>
-            </a:schemeClr>
-          </a:lnRef>
-          <a:fillRef idx="1">
-            <a:schemeClr val="accent1"/>
-          </a:fillRef>
-          <a:effectRef idx="0">
-            <a:schemeClr val="accent1"/>
-          </a:effectRef>
-          <a:fontRef idx="minor">
-            <a:schemeClr val="lt1"/>
-          </a:fontRef>
-        </p:style>
-        <p:txBody>
-          <a:bodyPr rtlCol="0" anchor="ctr"/>
-          <a:lstStyle/>
-          <a:p>
-            <a:pPr algn="ctr"/>
-            <a:endParaRPr lang="en-US" dirty="0"/>
-          </a:p>
-        </p:txBody>
-      </p:sp>
-      <p:sp>
-        <p:nvSpPr>
-          <p:cNvPr id="7" name="Isosceles Triangle 6">
-            <a:extLst>
-              <a:ext uri="{FF2B5EF4-FFF2-40B4-BE49-F238E27FC236}">
-                <a16:creationId xmlns:a16="http://schemas.microsoft.com/office/drawing/2014/main" id="{CA0C25C4-733B-4235-9999-74E2CBB3D2B3}"/>
-              </a:ext>
-            </a:extLst>
-          </p:cNvPr>
-          <p:cNvSpPr/>
-          <p:nvPr/>
-        </p:nvSpPr>
-        <p:spPr>
-          <a:xfrm rot="5400000">
-            <a:off x="1204096" y="2645279"/>
-            <a:ext cx="125835" cy="109057"/>
-          </a:xfrm>
-          <a:prstGeom prst="triangle">
-            <a:avLst/>
-          </a:prstGeom>
-          <a:solidFill>
-            <a:schemeClr val="accent2"/>
-          </a:solidFill>
-          <a:ln>
-            <a:solidFill>
-              <a:schemeClr val="accent2"/>
-            </a:solidFill>
-          </a:ln>
-        </p:spPr>
-        <p:style>
-          <a:lnRef idx="2">
-            <a:schemeClr val="accent1">
-              <a:shade val="50000"/>
-            </a:schemeClr>
-          </a:lnRef>
-          <a:fillRef idx="1">
-            <a:schemeClr val="accent1"/>
-          </a:fillRef>
-          <a:effectRef idx="0">
-            <a:schemeClr val="accent1"/>
-          </a:effectRef>
-          <a:fontRef idx="minor">
-            <a:schemeClr val="lt1"/>
-          </a:fontRef>
-        </p:style>
-        <p:txBody>
-          <a:bodyPr rtlCol="0" anchor="ctr"/>
-          <a:lstStyle/>
-          <a:p>
-            <a:pPr algn="ctr"/>
-            <a:endParaRPr lang="en-US" dirty="0"/>
-          </a:p>
-        </p:txBody>
-      </p:sp>
-      <p:pic>
-        <p:nvPicPr>
-          <p:cNvPr id="8" name="Picture 7">
-            <a:extLst>
-              <a:ext uri="{FF2B5EF4-FFF2-40B4-BE49-F238E27FC236}">
-                <a16:creationId xmlns:a16="http://schemas.microsoft.com/office/drawing/2014/main" id="{C76E3A7E-EA76-4530-909F-7752CC7546BD}"/>
-              </a:ext>
-            </a:extLst>
-          </p:cNvPr>
-          <p:cNvPicPr>
-            <a:picLocks noChangeAspect="1"/>
-          </p:cNvPicPr>
-          <p:nvPr/>
-        </p:nvPicPr>
-        <p:blipFill>
-          <a:blip r:embed="rId2"/>
-          <a:stretch>
-            <a:fillRect/>
-          </a:stretch>
-        </p:blipFill>
-        <p:spPr>
-          <a:xfrm>
-            <a:off x="1730928" y="3207160"/>
-            <a:ext cx="7186569" cy="2605131"/>
-          </a:xfrm>
-          <a:prstGeom prst="rect">
-            <a:avLst/>
-          </a:prstGeom>
-        </p:spPr>
-      </p:pic>
-      <p:sp>
-        <p:nvSpPr>
-          <p:cNvPr id="9" name="TextBox 8">
-            <a:extLst>
-              <a:ext uri="{FF2B5EF4-FFF2-40B4-BE49-F238E27FC236}">
-                <a16:creationId xmlns:a16="http://schemas.microsoft.com/office/drawing/2014/main" id="{15A8078D-DCBD-4323-BFBA-1D1D30924BC0}"/>
-              </a:ext>
-            </a:extLst>
-          </p:cNvPr>
-          <p:cNvSpPr txBox="1"/>
-          <p:nvPr/>
-        </p:nvSpPr>
-        <p:spPr>
-          <a:xfrm>
-            <a:off x="864066" y="1191892"/>
-            <a:ext cx="6098977" cy="338554"/>
-          </a:xfrm>
-          <a:prstGeom prst="rect">
-            <a:avLst/>
-          </a:prstGeom>
-          <a:noFill/>
-        </p:spPr>
-        <p:txBody>
-          <a:bodyPr wrap="none" rtlCol="0">
-            <a:spAutoFit/>
-          </a:bodyPr>
-          <a:lstStyle/>
-          <a:p>
-            <a:r>
-              <a:rPr lang="es-ES" sz="1600" dirty="0"/>
-              <a:t>Once </a:t>
-            </a:r>
-            <a:r>
-              <a:rPr lang="en-US" sz="1600" dirty="0"/>
-              <a:t>the</a:t>
-            </a:r>
-            <a:r>
-              <a:rPr lang="es-ES" sz="1600" dirty="0"/>
-              <a:t> server </a:t>
-            </a:r>
-            <a:r>
-              <a:rPr lang="en-US" sz="1600" dirty="0"/>
-              <a:t>is</a:t>
-            </a:r>
-            <a:r>
-              <a:rPr lang="es-ES" sz="1600" dirty="0"/>
-              <a:t> </a:t>
-            </a:r>
-            <a:r>
-              <a:rPr lang="en-US" sz="1600" dirty="0"/>
-              <a:t>deployed</a:t>
-            </a:r>
-            <a:r>
-              <a:rPr lang="es-ES" sz="1600" dirty="0"/>
-              <a:t>, </a:t>
-            </a:r>
-            <a:r>
-              <a:rPr lang="en-US" sz="1600" dirty="0"/>
-              <a:t>login</a:t>
-            </a:r>
-            <a:r>
-              <a:rPr lang="es-ES" sz="1600" dirty="0"/>
-              <a:t> </a:t>
-            </a:r>
-            <a:r>
-              <a:rPr lang="en-US" sz="1600" dirty="0"/>
-              <a:t>using</a:t>
-            </a:r>
-            <a:r>
-              <a:rPr lang="es-ES" sz="1600" dirty="0"/>
-              <a:t> SSH, and </a:t>
-            </a:r>
-            <a:r>
-              <a:rPr lang="en-US" sz="1600" dirty="0"/>
-              <a:t>follow</a:t>
-            </a:r>
-            <a:r>
-              <a:rPr lang="es-ES" sz="1600" dirty="0"/>
-              <a:t> </a:t>
-            </a:r>
-            <a:r>
-              <a:rPr lang="en-US" sz="1600" dirty="0"/>
-              <a:t>the</a:t>
-            </a:r>
-            <a:r>
-              <a:rPr lang="es-ES" sz="1600" dirty="0"/>
-              <a:t> </a:t>
-            </a:r>
-            <a:r>
-              <a:rPr lang="en-US" sz="1600" dirty="0"/>
-              <a:t>next</a:t>
-            </a:r>
-            <a:r>
-              <a:rPr lang="es-ES" sz="1600" dirty="0"/>
-              <a:t> </a:t>
-            </a:r>
-            <a:r>
-              <a:rPr lang="en-US" sz="1600" dirty="0"/>
-              <a:t>steps</a:t>
-            </a:r>
-            <a:r>
-              <a:rPr lang="es-ES" sz="1600" dirty="0"/>
-              <a:t>:</a:t>
-            </a:r>
-            <a:endParaRPr lang="en-US" sz="1600" dirty="0"/>
-          </a:p>
-        </p:txBody>
-      </p:sp>
     </p:spTree>
     <p:extLst>
       <p:ext uri="{BB962C8B-B14F-4D97-AF65-F5344CB8AC3E}">
-        <p14:creationId xmlns:p14="http://schemas.microsoft.com/office/powerpoint/2010/main" val="2495921744"/>
+        <p14:creationId xmlns:p14="http://schemas.microsoft.com/office/powerpoint/2010/main" val="3501314273"/>
       </p:ext>
     </p:extLst>
   </p:cSld>
@@ -4651,7 +4407,7 @@
           <p:cNvPr id="2" name="TextBox 1">
             <a:extLst>
               <a:ext uri="{FF2B5EF4-FFF2-40B4-BE49-F238E27FC236}">
-                <a16:creationId xmlns:a16="http://schemas.microsoft.com/office/drawing/2014/main" id="{5028191E-94E7-4185-9395-CD559F3586B2}"/>
+                <a16:creationId xmlns:a16="http://schemas.microsoft.com/office/drawing/2014/main" id="{57A24685-9923-48EC-8430-266914C30B45}"/>
               </a:ext>
             </a:extLst>
           </p:cNvPr>
@@ -4661,7 +4417,7 @@
         <p:spPr>
           <a:xfrm>
             <a:off x="864066" y="461394"/>
-            <a:ext cx="5065554" cy="523220"/>
+            <a:ext cx="5933099" cy="523220"/>
           </a:xfrm>
           <a:prstGeom prst="rect">
             <a:avLst/>
@@ -4676,7 +4432,7 @@
           <a:p>
             <a:r>
               <a:rPr lang="es-ES" sz="2800" b="1" dirty="0"/>
-              <a:t>CONFIGURING THE APPLICATION</a:t>
+              <a:t>DOCKER DEPLOYMENT ON IBM CLOUD</a:t>
             </a:r>
             <a:endParaRPr lang="en-US" sz="2800" b="1" dirty="0"/>
           </a:p>
@@ -4687,7 +4443,7 @@
           <p:cNvPr id="3" name="Rectangle 2">
             <a:extLst>
               <a:ext uri="{FF2B5EF4-FFF2-40B4-BE49-F238E27FC236}">
-                <a16:creationId xmlns:a16="http://schemas.microsoft.com/office/drawing/2014/main" id="{BB9BF71E-A21D-4F19-8A83-C55EE761FC44}"/>
+                <a16:creationId xmlns:a16="http://schemas.microsoft.com/office/drawing/2014/main" id="{F7BFFE9A-F5C7-469D-9FA7-F5D60174E612}"/>
               </a:ext>
             </a:extLst>
           </p:cNvPr>
@@ -4738,10 +4494,10 @@
       </p:sp>
       <p:sp>
         <p:nvSpPr>
-          <p:cNvPr id="5" name="TextBox 4">
-            <a:extLst>
-              <a:ext uri="{FF2B5EF4-FFF2-40B4-BE49-F238E27FC236}">
-                <a16:creationId xmlns:a16="http://schemas.microsoft.com/office/drawing/2014/main" id="{B0218949-4C8F-4A15-8804-232ADD449FBE}"/>
+          <p:cNvPr id="4" name="TextBox 3">
+            <a:extLst>
+              <a:ext uri="{FF2B5EF4-FFF2-40B4-BE49-F238E27FC236}">
+                <a16:creationId xmlns:a16="http://schemas.microsoft.com/office/drawing/2014/main" id="{A8195FC1-5919-471B-A388-2118F88FC936}"/>
               </a:ext>
             </a:extLst>
           </p:cNvPr>
@@ -4750,8 +4506,8 @@
         </p:nvSpPr>
         <p:spPr>
           <a:xfrm>
-            <a:off x="1212485" y="1260072"/>
-            <a:ext cx="7335854" cy="338554"/>
+            <a:off x="1514490" y="1663529"/>
+            <a:ext cx="3996672" cy="1162113"/>
           </a:xfrm>
           <a:prstGeom prst="rect">
             <a:avLst/>
@@ -4764,121 +4520,54 @@
           </a:bodyPr>
           <a:lstStyle/>
           <a:p>
+            <a:pPr>
+              <a:lnSpc>
+                <a:spcPct val="150000"/>
+              </a:lnSpc>
+            </a:pPr>
             <a:r>
               <a:rPr lang="en-US" sz="1600" dirty="0"/>
-              <a:t>Once the project is deployed,  check containers are running with command (docker </a:t>
+              <a:t>git pull the repository</a:t>
+            </a:r>
+          </a:p>
+          <a:p>
+            <a:pPr>
+              <a:lnSpc>
+                <a:spcPct val="150000"/>
+              </a:lnSpc>
+            </a:pPr>
+            <a:r>
+              <a:rPr lang="en-US" sz="1600" dirty="0"/>
+              <a:t>cp .</a:t>
             </a:r>
             <a:r>
               <a:rPr lang="en-US" sz="1600" dirty="0" err="1"/>
-              <a:t>ps</a:t>
+              <a:t>env.sample</a:t>
             </a:r>
             <a:r>
               <a:rPr lang="en-US" sz="1600" dirty="0"/>
-              <a:t>)</a:t>
-            </a:r>
-          </a:p>
-        </p:txBody>
-      </p:sp>
-      <p:pic>
-        <p:nvPicPr>
-          <p:cNvPr id="6" name="Picture 5">
-            <a:extLst>
-              <a:ext uri="{FF2B5EF4-FFF2-40B4-BE49-F238E27FC236}">
-                <a16:creationId xmlns:a16="http://schemas.microsoft.com/office/drawing/2014/main" id="{0FEF5FAC-5DCE-44C6-BCA1-0175ADF77AA7}"/>
-              </a:ext>
-            </a:extLst>
-          </p:cNvPr>
-          <p:cNvPicPr>
-            <a:picLocks noChangeAspect="1"/>
-          </p:cNvPicPr>
-          <p:nvPr/>
-        </p:nvPicPr>
-        <p:blipFill rotWithShape="1">
-          <a:blip r:embed="rId2"/>
-          <a:srcRect r="4198"/>
-          <a:stretch/>
-        </p:blipFill>
-        <p:spPr>
-          <a:xfrm>
-            <a:off x="1251357" y="1820304"/>
-            <a:ext cx="9689285" cy="1425331"/>
-          </a:xfrm>
-          <a:prstGeom prst="rect">
-            <a:avLst/>
-          </a:prstGeom>
-        </p:spPr>
-      </p:pic>
-      <p:sp>
-        <p:nvSpPr>
-          <p:cNvPr id="7" name="TextBox 6">
-            <a:extLst>
-              <a:ext uri="{FF2B5EF4-FFF2-40B4-BE49-F238E27FC236}">
-                <a16:creationId xmlns:a16="http://schemas.microsoft.com/office/drawing/2014/main" id="{94C48A44-BD54-49B7-B5A4-E0C375A995D2}"/>
-              </a:ext>
-            </a:extLst>
-          </p:cNvPr>
-          <p:cNvSpPr txBox="1"/>
-          <p:nvPr/>
-        </p:nvSpPr>
-        <p:spPr>
-          <a:xfrm>
-            <a:off x="1251357" y="3487771"/>
-            <a:ext cx="8181279" cy="338554"/>
-          </a:xfrm>
-          <a:prstGeom prst="rect">
-            <a:avLst/>
-          </a:prstGeom>
-          <a:noFill/>
-        </p:spPr>
-        <p:txBody>
-          <a:bodyPr wrap="none" rtlCol="0">
-            <a:spAutoFit/>
-          </a:bodyPr>
-          <a:lstStyle/>
-          <a:p>
+              <a:t>  .env</a:t>
+            </a:r>
+          </a:p>
+          <a:p>
+            <a:pPr>
+              <a:lnSpc>
+                <a:spcPct val="150000"/>
+              </a:lnSpc>
+            </a:pPr>
             <a:r>
               <a:rPr lang="en-US" sz="1600" dirty="0"/>
-              <a:t>you can go to http://HOST_ADDRESS/install, so you can proceed with the installation procedure:</a:t>
-            </a:r>
-          </a:p>
-        </p:txBody>
-      </p:sp>
-      <p:pic>
-        <p:nvPicPr>
-          <p:cNvPr id="8" name="Picture 7">
-            <a:extLst>
-              <a:ext uri="{FF2B5EF4-FFF2-40B4-BE49-F238E27FC236}">
-                <a16:creationId xmlns:a16="http://schemas.microsoft.com/office/drawing/2014/main" id="{EE99F617-893B-4A74-BF27-714624FD757C}"/>
-              </a:ext>
-            </a:extLst>
-          </p:cNvPr>
-          <p:cNvPicPr>
-            <a:picLocks noChangeAspect="1"/>
-          </p:cNvPicPr>
-          <p:nvPr/>
-        </p:nvPicPr>
-        <p:blipFill>
-          <a:blip r:embed="rId3"/>
-          <a:stretch>
-            <a:fillRect/>
-          </a:stretch>
-        </p:blipFill>
-        <p:spPr>
-          <a:xfrm>
-            <a:off x="1660190" y="3982761"/>
-            <a:ext cx="4638437" cy="2250259"/>
-          </a:xfrm>
-          <a:prstGeom prst="rect">
-            <a:avLst/>
-          </a:prstGeom>
-        </p:spPr>
-      </p:pic>
-      <p:sp>
-        <p:nvSpPr>
-          <p:cNvPr id="9" name="Isosceles Triangle 8">
-            <a:extLst>
-              <a:ext uri="{FF2B5EF4-FFF2-40B4-BE49-F238E27FC236}">
-                <a16:creationId xmlns:a16="http://schemas.microsoft.com/office/drawing/2014/main" id="{9511C994-7A57-4B5B-8B68-20176DB0FEFE}"/>
+              <a:t>deploying the project (docker-compose up -d)</a:t>
+            </a:r>
+          </a:p>
+        </p:txBody>
+      </p:sp>
+      <p:sp>
+        <p:nvSpPr>
+          <p:cNvPr id="5" name="Isosceles Triangle 4">
+            <a:extLst>
+              <a:ext uri="{FF2B5EF4-FFF2-40B4-BE49-F238E27FC236}">
+                <a16:creationId xmlns:a16="http://schemas.microsoft.com/office/drawing/2014/main" id="{C85ECD60-E5E0-4483-A873-0C3618417B19}"/>
               </a:ext>
             </a:extLst>
           </p:cNvPr>
@@ -4887,7 +4576,7 @@
         </p:nvSpPr>
         <p:spPr>
           <a:xfrm rot="5400000">
-            <a:off x="1095039" y="1376792"/>
+            <a:off x="1204096" y="1866194"/>
             <a:ext cx="125835" cy="109057"/>
           </a:xfrm>
           <a:prstGeom prst="triangle">
@@ -4929,10 +4618,10 @@
       </p:sp>
       <p:sp>
         <p:nvSpPr>
-          <p:cNvPr id="10" name="Isosceles Triangle 9">
-            <a:extLst>
-              <a:ext uri="{FF2B5EF4-FFF2-40B4-BE49-F238E27FC236}">
-                <a16:creationId xmlns:a16="http://schemas.microsoft.com/office/drawing/2014/main" id="{358B2172-D6A9-4CAC-834E-7E0CE242836E}"/>
+          <p:cNvPr id="6" name="Isosceles Triangle 5">
+            <a:extLst>
+              <a:ext uri="{FF2B5EF4-FFF2-40B4-BE49-F238E27FC236}">
+                <a16:creationId xmlns:a16="http://schemas.microsoft.com/office/drawing/2014/main" id="{94464532-D194-4295-A4DD-06BDA7E5B810}"/>
               </a:ext>
             </a:extLst>
           </p:cNvPr>
@@ -4941,7 +4630,7 @@
         </p:nvSpPr>
         <p:spPr>
           <a:xfrm rot="5400000">
-            <a:off x="985982" y="3602519"/>
+            <a:off x="1204097" y="2275398"/>
             <a:ext cx="125835" cy="109057"/>
           </a:xfrm>
           <a:prstGeom prst="triangle">
@@ -4981,10 +4670,202 @@
           </a:p>
         </p:txBody>
       </p:sp>
+      <p:sp>
+        <p:nvSpPr>
+          <p:cNvPr id="7" name="Isosceles Triangle 6">
+            <a:extLst>
+              <a:ext uri="{FF2B5EF4-FFF2-40B4-BE49-F238E27FC236}">
+                <a16:creationId xmlns:a16="http://schemas.microsoft.com/office/drawing/2014/main" id="{CA0C25C4-733B-4235-9999-74E2CBB3D2B3}"/>
+              </a:ext>
+            </a:extLst>
+          </p:cNvPr>
+          <p:cNvSpPr/>
+          <p:nvPr/>
+        </p:nvSpPr>
+        <p:spPr>
+          <a:xfrm rot="5400000">
+            <a:off x="1204096" y="2645279"/>
+            <a:ext cx="125835" cy="109057"/>
+          </a:xfrm>
+          <a:prstGeom prst="triangle">
+            <a:avLst/>
+          </a:prstGeom>
+          <a:solidFill>
+            <a:schemeClr val="accent2"/>
+          </a:solidFill>
+          <a:ln>
+            <a:solidFill>
+              <a:schemeClr val="accent2"/>
+            </a:solidFill>
+          </a:ln>
+        </p:spPr>
+        <p:style>
+          <a:lnRef idx="2">
+            <a:schemeClr val="accent1">
+              <a:shade val="50000"/>
+            </a:schemeClr>
+          </a:lnRef>
+          <a:fillRef idx="1">
+            <a:schemeClr val="accent1"/>
+          </a:fillRef>
+          <a:effectRef idx="0">
+            <a:schemeClr val="accent1"/>
+          </a:effectRef>
+          <a:fontRef idx="minor">
+            <a:schemeClr val="lt1"/>
+          </a:fontRef>
+        </p:style>
+        <p:txBody>
+          <a:bodyPr rtlCol="0" anchor="ctr"/>
+          <a:lstStyle/>
+          <a:p>
+            <a:pPr algn="ctr"/>
+            <a:endParaRPr lang="en-US" dirty="0"/>
+          </a:p>
+        </p:txBody>
+      </p:sp>
+      <p:pic>
+        <p:nvPicPr>
+          <p:cNvPr id="8" name="Picture 7">
+            <a:extLst>
+              <a:ext uri="{FF2B5EF4-FFF2-40B4-BE49-F238E27FC236}">
+                <a16:creationId xmlns:a16="http://schemas.microsoft.com/office/drawing/2014/main" id="{C76E3A7E-EA76-4530-909F-7752CC7546BD}"/>
+              </a:ext>
+            </a:extLst>
+          </p:cNvPr>
+          <p:cNvPicPr>
+            <a:picLocks noChangeAspect="1"/>
+          </p:cNvPicPr>
+          <p:nvPr/>
+        </p:nvPicPr>
+        <p:blipFill>
+          <a:blip r:embed="rId2"/>
+          <a:stretch>
+            <a:fillRect/>
+          </a:stretch>
+        </p:blipFill>
+        <p:spPr>
+          <a:xfrm>
+            <a:off x="1730928" y="3207160"/>
+            <a:ext cx="7186569" cy="2605131"/>
+          </a:xfrm>
+          <a:prstGeom prst="rect">
+            <a:avLst/>
+          </a:prstGeom>
+        </p:spPr>
+      </p:pic>
+      <p:sp>
+        <p:nvSpPr>
+          <p:cNvPr id="9" name="TextBox 8">
+            <a:extLst>
+              <a:ext uri="{FF2B5EF4-FFF2-40B4-BE49-F238E27FC236}">
+                <a16:creationId xmlns:a16="http://schemas.microsoft.com/office/drawing/2014/main" id="{15A8078D-DCBD-4323-BFBA-1D1D30924BC0}"/>
+              </a:ext>
+            </a:extLst>
+          </p:cNvPr>
+          <p:cNvSpPr txBox="1"/>
+          <p:nvPr/>
+        </p:nvSpPr>
+        <p:spPr>
+          <a:xfrm>
+            <a:off x="864066" y="1191892"/>
+            <a:ext cx="6098977" cy="338554"/>
+          </a:xfrm>
+          <a:prstGeom prst="rect">
+            <a:avLst/>
+          </a:prstGeom>
+          <a:noFill/>
+        </p:spPr>
+        <p:txBody>
+          <a:bodyPr wrap="none" rtlCol="0">
+            <a:spAutoFit/>
+          </a:bodyPr>
+          <a:lstStyle/>
+          <a:p>
+            <a:r>
+              <a:rPr lang="es-ES" sz="1600" dirty="0"/>
+              <a:t>Once </a:t>
+            </a:r>
+            <a:r>
+              <a:rPr lang="en-US" sz="1600" dirty="0"/>
+              <a:t>the</a:t>
+            </a:r>
+            <a:r>
+              <a:rPr lang="es-ES" sz="1600" dirty="0"/>
+              <a:t> server </a:t>
+            </a:r>
+            <a:r>
+              <a:rPr lang="en-US" sz="1600" dirty="0"/>
+              <a:t>is</a:t>
+            </a:r>
+            <a:r>
+              <a:rPr lang="es-ES" sz="1600" dirty="0"/>
+              <a:t> </a:t>
+            </a:r>
+            <a:r>
+              <a:rPr lang="en-US" sz="1600" dirty="0"/>
+              <a:t>deployed</a:t>
+            </a:r>
+            <a:r>
+              <a:rPr lang="es-ES" sz="1600" dirty="0"/>
+              <a:t>, </a:t>
+            </a:r>
+            <a:r>
+              <a:rPr lang="en-US" sz="1600" dirty="0"/>
+              <a:t>login</a:t>
+            </a:r>
+            <a:r>
+              <a:rPr lang="es-ES" sz="1600" dirty="0"/>
+              <a:t> </a:t>
+            </a:r>
+            <a:r>
+              <a:rPr lang="en-US" sz="1600" dirty="0"/>
+              <a:t>using</a:t>
+            </a:r>
+            <a:r>
+              <a:rPr lang="es-ES" sz="1600" dirty="0"/>
+              <a:t> SSH, and </a:t>
+            </a:r>
+            <a:r>
+              <a:rPr lang="en-US" sz="1600" dirty="0"/>
+              <a:t>follow</a:t>
+            </a:r>
+            <a:r>
+              <a:rPr lang="es-ES" sz="1600" dirty="0"/>
+              <a:t> </a:t>
+            </a:r>
+            <a:r>
+              <a:rPr lang="en-US" sz="1600" dirty="0"/>
+              <a:t>the</a:t>
+            </a:r>
+            <a:r>
+              <a:rPr lang="es-ES" sz="1600" dirty="0"/>
+              <a:t> </a:t>
+            </a:r>
+            <a:r>
+              <a:rPr lang="en-US" sz="1600" dirty="0"/>
+              <a:t>next</a:t>
+            </a:r>
+            <a:r>
+              <a:rPr lang="es-ES" sz="1600" dirty="0"/>
+              <a:t> </a:t>
+            </a:r>
+            <a:r>
+              <a:rPr lang="en-US" sz="1600" dirty="0"/>
+              <a:t>steps</a:t>
+            </a:r>
+            <a:r>
+              <a:rPr lang="es-ES" sz="1600" dirty="0"/>
+              <a:t>:</a:t>
+            </a:r>
+            <a:endParaRPr lang="en-US" sz="1600" dirty="0"/>
+          </a:p>
+        </p:txBody>
+      </p:sp>
     </p:spTree>
     <p:extLst>
       <p:ext uri="{BB962C8B-B14F-4D97-AF65-F5344CB8AC3E}">
-        <p14:creationId xmlns:p14="http://schemas.microsoft.com/office/powerpoint/2010/main" val="3988401073"/>
+        <p14:creationId xmlns:p14="http://schemas.microsoft.com/office/powerpoint/2010/main" val="2495921744"/>
       </p:ext>
     </p:extLst>
   </p:cSld>
@@ -5016,7 +4897,7 @@
           <p:cNvPr id="2" name="TextBox 1">
             <a:extLst>
               <a:ext uri="{FF2B5EF4-FFF2-40B4-BE49-F238E27FC236}">
-                <a16:creationId xmlns:a16="http://schemas.microsoft.com/office/drawing/2014/main" id="{A53A7014-3F0C-4970-8B5E-E0C820221544}"/>
+                <a16:creationId xmlns:a16="http://schemas.microsoft.com/office/drawing/2014/main" id="{5028191E-94E7-4185-9395-CD559F3586B2}"/>
               </a:ext>
             </a:extLst>
           </p:cNvPr>
@@ -5052,7 +4933,7 @@
           <p:cNvPr id="3" name="Rectangle 2">
             <a:extLst>
               <a:ext uri="{FF2B5EF4-FFF2-40B4-BE49-F238E27FC236}">
-                <a16:creationId xmlns:a16="http://schemas.microsoft.com/office/drawing/2014/main" id="{53F84569-38AA-42E0-BE41-A44C591DABED}"/>
+                <a16:creationId xmlns:a16="http://schemas.microsoft.com/office/drawing/2014/main" id="{BB9BF71E-A21D-4F19-8A83-C55EE761FC44}"/>
               </a:ext>
             </a:extLst>
           </p:cNvPr>
@@ -5103,10 +4984,10 @@
       </p:sp>
       <p:sp>
         <p:nvSpPr>
-          <p:cNvPr id="4" name="TextBox 3">
-            <a:extLst>
-              <a:ext uri="{FF2B5EF4-FFF2-40B4-BE49-F238E27FC236}">
-                <a16:creationId xmlns:a16="http://schemas.microsoft.com/office/drawing/2014/main" id="{C447ECD3-07DC-4CFE-A0D2-74174E4E2857}"/>
+          <p:cNvPr id="5" name="TextBox 4">
+            <a:extLst>
+              <a:ext uri="{FF2B5EF4-FFF2-40B4-BE49-F238E27FC236}">
+                <a16:creationId xmlns:a16="http://schemas.microsoft.com/office/drawing/2014/main" id="{B0218949-4C8F-4A15-8804-232ADD449FBE}"/>
               </a:ext>
             </a:extLst>
           </p:cNvPr>
@@ -5115,8 +4996,8 @@
         </p:nvSpPr>
         <p:spPr>
           <a:xfrm>
-            <a:off x="1405432" y="1171072"/>
-            <a:ext cx="6660862" cy="584775"/>
+            <a:off x="1212485" y="1260072"/>
+            <a:ext cx="7335854" cy="338554"/>
           </a:xfrm>
           <a:prstGeom prst="rect">
             <a:avLst/>
@@ -5131,24 +5012,119 @@
           <a:p>
             <a:r>
               <a:rPr lang="en-US" sz="1600" dirty="0"/>
-              <a:t>Once the process has finished a message like this should appear in the screen. </a:t>
-            </a:r>
-            <a:br>
+              <a:t>Once the project is deployed,  check containers are running with command (docker </a:t>
+            </a:r>
+            <a:r>
+              <a:rPr lang="en-US" sz="1600" dirty="0" err="1"/>
+              <a:t>ps</a:t>
+            </a:r>
+            <a:r>
               <a:rPr lang="en-US" sz="1600" dirty="0"/>
-            </a:br>
+              <a:t>)</a:t>
+            </a:r>
+          </a:p>
+        </p:txBody>
+      </p:sp>
+      <p:pic>
+        <p:nvPicPr>
+          <p:cNvPr id="6" name="Picture 5">
+            <a:extLst>
+              <a:ext uri="{FF2B5EF4-FFF2-40B4-BE49-F238E27FC236}">
+                <a16:creationId xmlns:a16="http://schemas.microsoft.com/office/drawing/2014/main" id="{0FEF5FAC-5DCE-44C6-BCA1-0175ADF77AA7}"/>
+              </a:ext>
+            </a:extLst>
+          </p:cNvPr>
+          <p:cNvPicPr>
+            <a:picLocks noChangeAspect="1"/>
+          </p:cNvPicPr>
+          <p:nvPr/>
+        </p:nvPicPr>
+        <p:blipFill rotWithShape="1">
+          <a:blip r:embed="rId2"/>
+          <a:srcRect r="4198"/>
+          <a:stretch/>
+        </p:blipFill>
+        <p:spPr>
+          <a:xfrm>
+            <a:off x="1251357" y="1820304"/>
+            <a:ext cx="9689285" cy="1425331"/>
+          </a:xfrm>
+          <a:prstGeom prst="rect">
+            <a:avLst/>
+          </a:prstGeom>
+        </p:spPr>
+      </p:pic>
+      <p:sp>
+        <p:nvSpPr>
+          <p:cNvPr id="7" name="TextBox 6">
+            <a:extLst>
+              <a:ext uri="{FF2B5EF4-FFF2-40B4-BE49-F238E27FC236}">
+                <a16:creationId xmlns:a16="http://schemas.microsoft.com/office/drawing/2014/main" id="{94C48A44-BD54-49B7-B5A4-E0C375A995D2}"/>
+              </a:ext>
+            </a:extLst>
+          </p:cNvPr>
+          <p:cNvSpPr txBox="1"/>
+          <p:nvPr/>
+        </p:nvSpPr>
+        <p:spPr>
+          <a:xfrm>
+            <a:off x="1251357" y="3487771"/>
+            <a:ext cx="8181279" cy="338554"/>
+          </a:xfrm>
+          <a:prstGeom prst="rect">
+            <a:avLst/>
+          </a:prstGeom>
+          <a:noFill/>
+        </p:spPr>
+        <p:txBody>
+          <a:bodyPr wrap="none" rtlCol="0">
+            <a:spAutoFit/>
+          </a:bodyPr>
+          <a:lstStyle/>
+          <a:p>
             <a:r>
               <a:rPr lang="en-US" sz="1600" dirty="0"/>
-              <a:t>This will confirm that the process ended successfully.</a:t>
-            </a:r>
-          </a:p>
-        </p:txBody>
-      </p:sp>
-      <p:sp>
-        <p:nvSpPr>
-          <p:cNvPr id="5" name="Isosceles Triangle 4">
-            <a:extLst>
-              <a:ext uri="{FF2B5EF4-FFF2-40B4-BE49-F238E27FC236}">
-                <a16:creationId xmlns:a16="http://schemas.microsoft.com/office/drawing/2014/main" id="{8B0627DC-FC6E-48F5-A515-6B61EAA689F4}"/>
+              <a:t>you can go to http://HOST_ADDRESS/install, so you can proceed with the installation procedure:</a:t>
+            </a:r>
+          </a:p>
+        </p:txBody>
+      </p:sp>
+      <p:pic>
+        <p:nvPicPr>
+          <p:cNvPr id="8" name="Picture 7">
+            <a:extLst>
+              <a:ext uri="{FF2B5EF4-FFF2-40B4-BE49-F238E27FC236}">
+                <a16:creationId xmlns:a16="http://schemas.microsoft.com/office/drawing/2014/main" id="{EE99F617-893B-4A74-BF27-714624FD757C}"/>
+              </a:ext>
+            </a:extLst>
+          </p:cNvPr>
+          <p:cNvPicPr>
+            <a:picLocks noChangeAspect="1"/>
+          </p:cNvPicPr>
+          <p:nvPr/>
+        </p:nvPicPr>
+        <p:blipFill>
+          <a:blip r:embed="rId3"/>
+          <a:stretch>
+            <a:fillRect/>
+          </a:stretch>
+        </p:blipFill>
+        <p:spPr>
+          <a:xfrm>
+            <a:off x="1660190" y="3982761"/>
+            <a:ext cx="4638437" cy="2250259"/>
+          </a:xfrm>
+          <a:prstGeom prst="rect">
+            <a:avLst/>
+          </a:prstGeom>
+        </p:spPr>
+      </p:pic>
+      <p:sp>
+        <p:nvSpPr>
+          <p:cNvPr id="9" name="Isosceles Triangle 8">
+            <a:extLst>
+              <a:ext uri="{FF2B5EF4-FFF2-40B4-BE49-F238E27FC236}">
+                <a16:creationId xmlns:a16="http://schemas.microsoft.com/office/drawing/2014/main" id="{9511C994-7A57-4B5B-8B68-20176DB0FEFE}"/>
               </a:ext>
             </a:extLst>
           </p:cNvPr>
@@ -5197,40 +5173,64 @@
           </a:p>
         </p:txBody>
       </p:sp>
-      <p:pic>
-        <p:nvPicPr>
-          <p:cNvPr id="6" name="Picture 5">
-            <a:extLst>
-              <a:ext uri="{FF2B5EF4-FFF2-40B4-BE49-F238E27FC236}">
-                <a16:creationId xmlns:a16="http://schemas.microsoft.com/office/drawing/2014/main" id="{3A16D0EE-631A-41C4-BD48-7EBDF04E072A}"/>
-              </a:ext>
-            </a:extLst>
-          </p:cNvPr>
-          <p:cNvPicPr>
-            <a:picLocks noChangeAspect="1"/>
-          </p:cNvPicPr>
-          <p:nvPr/>
-        </p:nvPicPr>
-        <p:blipFill>
-          <a:blip r:embed="rId2"/>
-          <a:stretch>
-            <a:fillRect/>
-          </a:stretch>
-        </p:blipFill>
-        <p:spPr>
-          <a:xfrm>
-            <a:off x="1530990" y="2228237"/>
-            <a:ext cx="8505722" cy="2570265"/>
-          </a:xfrm>
-          <a:prstGeom prst="rect">
-            <a:avLst/>
-          </a:prstGeom>
-        </p:spPr>
-      </p:pic>
+      <p:sp>
+        <p:nvSpPr>
+          <p:cNvPr id="10" name="Isosceles Triangle 9">
+            <a:extLst>
+              <a:ext uri="{FF2B5EF4-FFF2-40B4-BE49-F238E27FC236}">
+                <a16:creationId xmlns:a16="http://schemas.microsoft.com/office/drawing/2014/main" id="{358B2172-D6A9-4CAC-834E-7E0CE242836E}"/>
+              </a:ext>
+            </a:extLst>
+          </p:cNvPr>
+          <p:cNvSpPr/>
+          <p:nvPr/>
+        </p:nvSpPr>
+        <p:spPr>
+          <a:xfrm rot="5400000">
+            <a:off x="985982" y="3602519"/>
+            <a:ext cx="125835" cy="109057"/>
+          </a:xfrm>
+          <a:prstGeom prst="triangle">
+            <a:avLst/>
+          </a:prstGeom>
+          <a:solidFill>
+            <a:schemeClr val="accent2"/>
+          </a:solidFill>
+          <a:ln>
+            <a:solidFill>
+              <a:schemeClr val="accent2"/>
+            </a:solidFill>
+          </a:ln>
+        </p:spPr>
+        <p:style>
+          <a:lnRef idx="2">
+            <a:schemeClr val="accent1">
+              <a:shade val="50000"/>
+            </a:schemeClr>
+          </a:lnRef>
+          <a:fillRef idx="1">
+            <a:schemeClr val="accent1"/>
+          </a:fillRef>
+          <a:effectRef idx="0">
+            <a:schemeClr val="accent1"/>
+          </a:effectRef>
+          <a:fontRef idx="minor">
+            <a:schemeClr val="lt1"/>
+          </a:fontRef>
+        </p:style>
+        <p:txBody>
+          <a:bodyPr rtlCol="0" anchor="ctr"/>
+          <a:lstStyle/>
+          <a:p>
+            <a:pPr algn="ctr"/>
+            <a:endParaRPr lang="en-US" dirty="0"/>
+          </a:p>
+        </p:txBody>
+      </p:sp>
     </p:spTree>
     <p:extLst>
       <p:ext uri="{BB962C8B-B14F-4D97-AF65-F5344CB8AC3E}">
-        <p14:creationId xmlns:p14="http://schemas.microsoft.com/office/powerpoint/2010/main" val="654025941"/>
+        <p14:creationId xmlns:p14="http://schemas.microsoft.com/office/powerpoint/2010/main" val="3988401073"/>
       </p:ext>
     </p:extLst>
   </p:cSld>
@@ -5262,7 +5262,7 @@
           <p:cNvPr id="2" name="TextBox 1">
             <a:extLst>
               <a:ext uri="{FF2B5EF4-FFF2-40B4-BE49-F238E27FC236}">
-                <a16:creationId xmlns:a16="http://schemas.microsoft.com/office/drawing/2014/main" id="{D7A321C0-854C-4241-946C-E76B70A718CB}"/>
+                <a16:creationId xmlns:a16="http://schemas.microsoft.com/office/drawing/2014/main" id="{A53A7014-3F0C-4970-8B5E-E0C820221544}"/>
               </a:ext>
             </a:extLst>
           </p:cNvPr>
@@ -5271,8 +5271,8 @@
         </p:nvSpPr>
         <p:spPr>
           <a:xfrm>
-            <a:off x="1400960" y="1246654"/>
-            <a:ext cx="7170168" cy="338554"/>
+            <a:off x="864066" y="461394"/>
+            <a:ext cx="5065554" cy="523220"/>
           </a:xfrm>
           <a:prstGeom prst="rect">
             <a:avLst/>
@@ -5286,41 +5286,6 @@
           <a:lstStyle/>
           <a:p>
             <a:r>
-              <a:rPr lang="en-US" sz="1600" dirty="0"/>
-              <a:t>You can now go to the main page: http://HOST_ADDRESS, and login into the system.</a:t>
-            </a:r>
-          </a:p>
-        </p:txBody>
-      </p:sp>
-      <p:sp>
-        <p:nvSpPr>
-          <p:cNvPr id="3" name="TextBox 2">
-            <a:extLst>
-              <a:ext uri="{FF2B5EF4-FFF2-40B4-BE49-F238E27FC236}">
-                <a16:creationId xmlns:a16="http://schemas.microsoft.com/office/drawing/2014/main" id="{A6361BDA-1373-4BEE-B4BD-AE11F4B2B9A9}"/>
-              </a:ext>
-            </a:extLst>
-          </p:cNvPr>
-          <p:cNvSpPr txBox="1"/>
-          <p:nvPr/>
-        </p:nvSpPr>
-        <p:spPr>
-          <a:xfrm>
-            <a:off x="864066" y="461394"/>
-            <a:ext cx="5065554" cy="523220"/>
-          </a:xfrm>
-          <a:prstGeom prst="rect">
-            <a:avLst/>
-          </a:prstGeom>
-          <a:noFill/>
-        </p:spPr>
-        <p:txBody>
-          <a:bodyPr wrap="none" rtlCol="0">
-            <a:spAutoFit/>
-          </a:bodyPr>
-          <a:lstStyle/>
-          <a:p>
-            <a:r>
               <a:rPr lang="es-ES" sz="2800" b="1" dirty="0"/>
               <a:t>CONFIGURING THE APPLICATION</a:t>
             </a:r>
@@ -5330,10 +5295,10 @@
       </p:sp>
       <p:sp>
         <p:nvSpPr>
-          <p:cNvPr id="4" name="Rectangle 3">
-            <a:extLst>
-              <a:ext uri="{FF2B5EF4-FFF2-40B4-BE49-F238E27FC236}">
-                <a16:creationId xmlns:a16="http://schemas.microsoft.com/office/drawing/2014/main" id="{FA93E7EF-8DD6-46A2-A695-55B569C1BD8B}"/>
+          <p:cNvPr id="3" name="Rectangle 2">
+            <a:extLst>
+              <a:ext uri="{FF2B5EF4-FFF2-40B4-BE49-F238E27FC236}">
+                <a16:creationId xmlns:a16="http://schemas.microsoft.com/office/drawing/2014/main" id="{53F84569-38AA-42E0-BE41-A44C591DABED}"/>
               </a:ext>
             </a:extLst>
           </p:cNvPr>
@@ -5384,10 +5349,52 @@
       </p:sp>
       <p:sp>
         <p:nvSpPr>
+          <p:cNvPr id="4" name="TextBox 3">
+            <a:extLst>
+              <a:ext uri="{FF2B5EF4-FFF2-40B4-BE49-F238E27FC236}">
+                <a16:creationId xmlns:a16="http://schemas.microsoft.com/office/drawing/2014/main" id="{C447ECD3-07DC-4CFE-A0D2-74174E4E2857}"/>
+              </a:ext>
+            </a:extLst>
+          </p:cNvPr>
+          <p:cNvSpPr txBox="1"/>
+          <p:nvPr/>
+        </p:nvSpPr>
+        <p:spPr>
+          <a:xfrm>
+            <a:off x="1405432" y="1171072"/>
+            <a:ext cx="6660862" cy="584775"/>
+          </a:xfrm>
+          <a:prstGeom prst="rect">
+            <a:avLst/>
+          </a:prstGeom>
+          <a:noFill/>
+        </p:spPr>
+        <p:txBody>
+          <a:bodyPr wrap="none" rtlCol="0">
+            <a:spAutoFit/>
+          </a:bodyPr>
+          <a:lstStyle/>
+          <a:p>
+            <a:r>
+              <a:rPr lang="en-US" sz="1600" dirty="0"/>
+              <a:t>Once the process has finished a message like this should appear in the screen. </a:t>
+            </a:r>
+            <a:br>
+              <a:rPr lang="en-US" sz="1600" dirty="0"/>
+            </a:br>
+            <a:r>
+              <a:rPr lang="en-US" sz="1600" dirty="0"/>
+              <a:t>This will confirm that the process ended successfully.</a:t>
+            </a:r>
+          </a:p>
+        </p:txBody>
+      </p:sp>
+      <p:sp>
+        <p:nvSpPr>
           <p:cNvPr id="5" name="Isosceles Triangle 4">
             <a:extLst>
               <a:ext uri="{FF2B5EF4-FFF2-40B4-BE49-F238E27FC236}">
-                <a16:creationId xmlns:a16="http://schemas.microsoft.com/office/drawing/2014/main" id="{4D372748-5451-4727-A478-55AD6EE29BFC}"/>
+                <a16:creationId xmlns:a16="http://schemas.microsoft.com/office/drawing/2014/main" id="{8B0627DC-FC6E-48F5-A515-6B61EAA689F4}"/>
               </a:ext>
             </a:extLst>
           </p:cNvPr>
@@ -5441,7 +5448,7 @@
           <p:cNvPr id="6" name="Picture 5">
             <a:extLst>
               <a:ext uri="{FF2B5EF4-FFF2-40B4-BE49-F238E27FC236}">
-                <a16:creationId xmlns:a16="http://schemas.microsoft.com/office/drawing/2014/main" id="{37799284-436A-40FC-816A-72E0AB60B12B}"/>
+                <a16:creationId xmlns:a16="http://schemas.microsoft.com/office/drawing/2014/main" id="{3A16D0EE-631A-41C4-BD48-7EBDF04E072A}"/>
               </a:ext>
             </a:extLst>
           </p:cNvPr>
@@ -5458,8 +5465,8 @@
         </p:blipFill>
         <p:spPr>
           <a:xfrm>
-            <a:off x="1893945" y="2009775"/>
-            <a:ext cx="6918855" cy="3216566"/>
+            <a:off x="1530990" y="2228237"/>
+            <a:ext cx="8505722" cy="2570265"/>
           </a:xfrm>
           <a:prstGeom prst="rect">
             <a:avLst/>
@@ -5469,7 +5476,7 @@
     </p:spTree>
     <p:extLst>
       <p:ext uri="{BB962C8B-B14F-4D97-AF65-F5344CB8AC3E}">
-        <p14:creationId xmlns:p14="http://schemas.microsoft.com/office/powerpoint/2010/main" val="2862166309"/>
+        <p14:creationId xmlns:p14="http://schemas.microsoft.com/office/powerpoint/2010/main" val="654025941"/>
       </p:ext>
     </p:extLst>
   </p:cSld>
@@ -5501,6 +5508,245 @@
           <p:cNvPr id="2" name="TextBox 1">
             <a:extLst>
               <a:ext uri="{FF2B5EF4-FFF2-40B4-BE49-F238E27FC236}">
+                <a16:creationId xmlns:a16="http://schemas.microsoft.com/office/drawing/2014/main" id="{D7A321C0-854C-4241-946C-E76B70A718CB}"/>
+              </a:ext>
+            </a:extLst>
+          </p:cNvPr>
+          <p:cNvSpPr txBox="1"/>
+          <p:nvPr/>
+        </p:nvSpPr>
+        <p:spPr>
+          <a:xfrm>
+            <a:off x="1400960" y="1246654"/>
+            <a:ext cx="7170168" cy="338554"/>
+          </a:xfrm>
+          <a:prstGeom prst="rect">
+            <a:avLst/>
+          </a:prstGeom>
+          <a:noFill/>
+        </p:spPr>
+        <p:txBody>
+          <a:bodyPr wrap="none" rtlCol="0">
+            <a:spAutoFit/>
+          </a:bodyPr>
+          <a:lstStyle/>
+          <a:p>
+            <a:r>
+              <a:rPr lang="en-US" sz="1600" dirty="0"/>
+              <a:t>You can now go to the main page: http://HOST_ADDRESS, and login into the system.</a:t>
+            </a:r>
+          </a:p>
+        </p:txBody>
+      </p:sp>
+      <p:sp>
+        <p:nvSpPr>
+          <p:cNvPr id="3" name="TextBox 2">
+            <a:extLst>
+              <a:ext uri="{FF2B5EF4-FFF2-40B4-BE49-F238E27FC236}">
+                <a16:creationId xmlns:a16="http://schemas.microsoft.com/office/drawing/2014/main" id="{A6361BDA-1373-4BEE-B4BD-AE11F4B2B9A9}"/>
+              </a:ext>
+            </a:extLst>
+          </p:cNvPr>
+          <p:cNvSpPr txBox="1"/>
+          <p:nvPr/>
+        </p:nvSpPr>
+        <p:spPr>
+          <a:xfrm>
+            <a:off x="864066" y="461394"/>
+            <a:ext cx="5065554" cy="523220"/>
+          </a:xfrm>
+          <a:prstGeom prst="rect">
+            <a:avLst/>
+          </a:prstGeom>
+          <a:noFill/>
+        </p:spPr>
+        <p:txBody>
+          <a:bodyPr wrap="none" rtlCol="0">
+            <a:spAutoFit/>
+          </a:bodyPr>
+          <a:lstStyle/>
+          <a:p>
+            <a:r>
+              <a:rPr lang="es-ES" sz="2800" b="1" dirty="0"/>
+              <a:t>CONFIGURING THE APPLICATION</a:t>
+            </a:r>
+            <a:endParaRPr lang="en-US" sz="2800" b="1" dirty="0"/>
+          </a:p>
+        </p:txBody>
+      </p:sp>
+      <p:sp>
+        <p:nvSpPr>
+          <p:cNvPr id="4" name="Rectangle 3">
+            <a:extLst>
+              <a:ext uri="{FF2B5EF4-FFF2-40B4-BE49-F238E27FC236}">
+                <a16:creationId xmlns:a16="http://schemas.microsoft.com/office/drawing/2014/main" id="{FA93E7EF-8DD6-46A2-A695-55B569C1BD8B}"/>
+              </a:ext>
+            </a:extLst>
+          </p:cNvPr>
+          <p:cNvSpPr/>
+          <p:nvPr/>
+        </p:nvSpPr>
+        <p:spPr>
+          <a:xfrm>
+            <a:off x="947956" y="0"/>
+            <a:ext cx="1182847" cy="117445"/>
+          </a:xfrm>
+          <a:prstGeom prst="rect">
+            <a:avLst/>
+          </a:prstGeom>
+          <a:solidFill>
+            <a:schemeClr val="accent2"/>
+          </a:solidFill>
+          <a:ln>
+            <a:solidFill>
+              <a:schemeClr val="accent2"/>
+            </a:solidFill>
+          </a:ln>
+        </p:spPr>
+        <p:style>
+          <a:lnRef idx="2">
+            <a:schemeClr val="accent1">
+              <a:shade val="50000"/>
+            </a:schemeClr>
+          </a:lnRef>
+          <a:fillRef idx="1">
+            <a:schemeClr val="accent1"/>
+          </a:fillRef>
+          <a:effectRef idx="0">
+            <a:schemeClr val="accent1"/>
+          </a:effectRef>
+          <a:fontRef idx="minor">
+            <a:schemeClr val="lt1"/>
+          </a:fontRef>
+        </p:style>
+        <p:txBody>
+          <a:bodyPr rtlCol="0" anchor="ctr"/>
+          <a:lstStyle/>
+          <a:p>
+            <a:pPr algn="ctr"/>
+            <a:endParaRPr lang="en-US" dirty="0"/>
+          </a:p>
+        </p:txBody>
+      </p:sp>
+      <p:sp>
+        <p:nvSpPr>
+          <p:cNvPr id="5" name="Isosceles Triangle 4">
+            <a:extLst>
+              <a:ext uri="{FF2B5EF4-FFF2-40B4-BE49-F238E27FC236}">
+                <a16:creationId xmlns:a16="http://schemas.microsoft.com/office/drawing/2014/main" id="{4D372748-5451-4727-A478-55AD6EE29BFC}"/>
+              </a:ext>
+            </a:extLst>
+          </p:cNvPr>
+          <p:cNvSpPr/>
+          <p:nvPr/>
+        </p:nvSpPr>
+        <p:spPr>
+          <a:xfrm rot="5400000">
+            <a:off x="1095039" y="1376792"/>
+            <a:ext cx="125835" cy="109057"/>
+          </a:xfrm>
+          <a:prstGeom prst="triangle">
+            <a:avLst/>
+          </a:prstGeom>
+          <a:solidFill>
+            <a:schemeClr val="accent2"/>
+          </a:solidFill>
+          <a:ln>
+            <a:solidFill>
+              <a:schemeClr val="accent2"/>
+            </a:solidFill>
+          </a:ln>
+        </p:spPr>
+        <p:style>
+          <a:lnRef idx="2">
+            <a:schemeClr val="accent1">
+              <a:shade val="50000"/>
+            </a:schemeClr>
+          </a:lnRef>
+          <a:fillRef idx="1">
+            <a:schemeClr val="accent1"/>
+          </a:fillRef>
+          <a:effectRef idx="0">
+            <a:schemeClr val="accent1"/>
+          </a:effectRef>
+          <a:fontRef idx="minor">
+            <a:schemeClr val="lt1"/>
+          </a:fontRef>
+        </p:style>
+        <p:txBody>
+          <a:bodyPr rtlCol="0" anchor="ctr"/>
+          <a:lstStyle/>
+          <a:p>
+            <a:pPr algn="ctr"/>
+            <a:endParaRPr lang="en-US" dirty="0"/>
+          </a:p>
+        </p:txBody>
+      </p:sp>
+      <p:pic>
+        <p:nvPicPr>
+          <p:cNvPr id="6" name="Picture 5">
+            <a:extLst>
+              <a:ext uri="{FF2B5EF4-FFF2-40B4-BE49-F238E27FC236}">
+                <a16:creationId xmlns:a16="http://schemas.microsoft.com/office/drawing/2014/main" id="{37799284-436A-40FC-816A-72E0AB60B12B}"/>
+              </a:ext>
+            </a:extLst>
+          </p:cNvPr>
+          <p:cNvPicPr>
+            <a:picLocks noChangeAspect="1"/>
+          </p:cNvPicPr>
+          <p:nvPr/>
+        </p:nvPicPr>
+        <p:blipFill>
+          <a:blip r:embed="rId2"/>
+          <a:stretch>
+            <a:fillRect/>
+          </a:stretch>
+        </p:blipFill>
+        <p:spPr>
+          <a:xfrm>
+            <a:off x="1893945" y="2009775"/>
+            <a:ext cx="6918855" cy="3216566"/>
+          </a:xfrm>
+          <a:prstGeom prst="rect">
+            <a:avLst/>
+          </a:prstGeom>
+        </p:spPr>
+      </p:pic>
+    </p:spTree>
+    <p:extLst>
+      <p:ext uri="{BB962C8B-B14F-4D97-AF65-F5344CB8AC3E}">
+        <p14:creationId xmlns:p14="http://schemas.microsoft.com/office/powerpoint/2010/main" val="2862166309"/>
+      </p:ext>
+    </p:extLst>
+  </p:cSld>
+  <p:clrMapOvr>
+    <a:masterClrMapping/>
+  </p:clrMapOvr>
+</p:sld>
+</file>
+
+<file path=ppt/slides/slide17.xml><?xml version="1.0" encoding="utf-8"?>
+<p:sld xmlns:a="http://schemas.openxmlformats.org/drawingml/2006/main" xmlns:r="http://schemas.openxmlformats.org/officeDocument/2006/relationships" xmlns:p="http://schemas.openxmlformats.org/presentationml/2006/main">
+  <p:cSld>
+    <p:spTree>
+      <p:nvGrpSpPr>
+        <p:cNvPr id="1" name=""/>
+        <p:cNvGrpSpPr/>
+        <p:nvPr/>
+      </p:nvGrpSpPr>
+      <p:grpSpPr>
+        <a:xfrm>
+          <a:off x="0" y="0"/>
+          <a:ext cx="0" cy="0"/>
+          <a:chOff x="0" y="0"/>
+          <a:chExt cx="0" cy="0"/>
+        </a:xfrm>
+      </p:grpSpPr>
+      <p:sp>
+        <p:nvSpPr>
+          <p:cNvPr id="2" name="TextBox 1">
+            <a:extLst>
+              <a:ext uri="{FF2B5EF4-FFF2-40B4-BE49-F238E27FC236}">
                 <a16:creationId xmlns:a16="http://schemas.microsoft.com/office/drawing/2014/main" id="{356DA1DC-48E4-45BD-9AC3-A34A6A38E112}"/>
               </a:ext>
             </a:extLst>
@@ -5748,7 +5994,7 @@
 </p:sld>
 </file>
 
-<file path=ppt/slides/slide17.xml><?xml version="1.0" encoding="utf-8"?>
+<file path=ppt/slides/slide18.xml><?xml version="1.0" encoding="utf-8"?>
 <p:sld xmlns:a="http://schemas.openxmlformats.org/drawingml/2006/main" xmlns:r="http://schemas.openxmlformats.org/officeDocument/2006/relationships" xmlns:p="http://schemas.openxmlformats.org/presentationml/2006/main">
   <p:cSld>
     <p:spTree>

--- a/Final Project.pptx
+++ b/Final Project.pptx
@@ -17,12 +17,16 @@
     <p:sldId id="265" r:id="rId11"/>
     <p:sldId id="266" r:id="rId12"/>
     <p:sldId id="273" r:id="rId13"/>
-    <p:sldId id="267" r:id="rId14"/>
-    <p:sldId id="268" r:id="rId15"/>
-    <p:sldId id="269" r:id="rId16"/>
-    <p:sldId id="270" r:id="rId17"/>
-    <p:sldId id="271" r:id="rId18"/>
-    <p:sldId id="272" r:id="rId19"/>
+    <p:sldId id="274" r:id="rId14"/>
+    <p:sldId id="275" r:id="rId15"/>
+    <p:sldId id="276" r:id="rId16"/>
+    <p:sldId id="277" r:id="rId17"/>
+    <p:sldId id="267" r:id="rId18"/>
+    <p:sldId id="268" r:id="rId19"/>
+    <p:sldId id="269" r:id="rId20"/>
+    <p:sldId id="270" r:id="rId21"/>
+    <p:sldId id="271" r:id="rId22"/>
+    <p:sldId id="272" r:id="rId23"/>
   </p:sldIdLst>
   <p:sldSz cx="12192000" cy="6858000"/>
   <p:notesSz cx="6858000" cy="9144000"/>
@@ -4407,7 +4411,7 @@
           <p:cNvPr id="2" name="TextBox 1">
             <a:extLst>
               <a:ext uri="{FF2B5EF4-FFF2-40B4-BE49-F238E27FC236}">
-                <a16:creationId xmlns:a16="http://schemas.microsoft.com/office/drawing/2014/main" id="{57A24685-9923-48EC-8430-266914C30B45}"/>
+                <a16:creationId xmlns:a16="http://schemas.microsoft.com/office/drawing/2014/main" id="{ECDD61F0-7C90-4B58-AD08-646577F762AE}"/>
               </a:ext>
             </a:extLst>
           </p:cNvPr>
@@ -4417,7 +4421,7 @@
         <p:spPr>
           <a:xfrm>
             <a:off x="864066" y="461394"/>
-            <a:ext cx="5933099" cy="523220"/>
+            <a:ext cx="4897687" cy="523220"/>
           </a:xfrm>
           <a:prstGeom prst="rect">
             <a:avLst/>
@@ -4432,7 +4436,7 @@
           <a:p>
             <a:r>
               <a:rPr lang="es-ES" sz="2800" b="1" dirty="0"/>
-              <a:t>DOCKER DEPLOYMENT ON IBM CLOUD</a:t>
+              <a:t>DOCKER DEPLOYMENT ON AWS</a:t>
             </a:r>
             <a:endParaRPr lang="en-US" sz="2800" b="1" dirty="0"/>
           </a:p>
@@ -4443,7 +4447,7 @@
           <p:cNvPr id="3" name="Rectangle 2">
             <a:extLst>
               <a:ext uri="{FF2B5EF4-FFF2-40B4-BE49-F238E27FC236}">
-                <a16:creationId xmlns:a16="http://schemas.microsoft.com/office/drawing/2014/main" id="{F7BFFE9A-F5C7-469D-9FA7-F5D60174E612}"/>
+                <a16:creationId xmlns:a16="http://schemas.microsoft.com/office/drawing/2014/main" id="{D6244031-5465-4AD3-AD07-FEF607F39C56}"/>
               </a:ext>
             </a:extLst>
           </p:cNvPr>
@@ -4492,12 +4496,48 @@
           </a:p>
         </p:txBody>
       </p:sp>
-      <p:sp>
-        <p:nvSpPr>
-          <p:cNvPr id="4" name="TextBox 3">
-            <a:extLst>
-              <a:ext uri="{FF2B5EF4-FFF2-40B4-BE49-F238E27FC236}">
-                <a16:creationId xmlns:a16="http://schemas.microsoft.com/office/drawing/2014/main" id="{A8195FC1-5919-471B-A388-2118F88FC936}"/>
+      <p:pic>
+        <p:nvPicPr>
+          <p:cNvPr id="5" name="Picture 4">
+            <a:extLst>
+              <a:ext uri="{FF2B5EF4-FFF2-40B4-BE49-F238E27FC236}">
+                <a16:creationId xmlns:a16="http://schemas.microsoft.com/office/drawing/2014/main" id="{F02055D2-54E7-481B-9E68-68EA4CBF826B}"/>
+              </a:ext>
+            </a:extLst>
+          </p:cNvPr>
+          <p:cNvPicPr>
+            <a:picLocks noChangeAspect="1"/>
+          </p:cNvPicPr>
+          <p:nvPr/>
+        </p:nvPicPr>
+        <p:blipFill>
+          <a:blip r:embed="rId2">
+            <a:extLst>
+              <a:ext uri="{28A0092B-C50C-407E-A947-70E740481C1C}">
+                <a14:useLocalDpi xmlns:a14="http://schemas.microsoft.com/office/drawing/2010/main" val="0"/>
+              </a:ext>
+            </a:extLst>
+          </a:blip>
+          <a:stretch>
+            <a:fillRect/>
+          </a:stretch>
+        </p:blipFill>
+        <p:spPr>
+          <a:xfrm>
+            <a:off x="1465489" y="1557524"/>
+            <a:ext cx="5032067" cy="4464584"/>
+          </a:xfrm>
+          <a:prstGeom prst="rect">
+            <a:avLst/>
+          </a:prstGeom>
+        </p:spPr>
+      </p:pic>
+      <p:sp>
+        <p:nvSpPr>
+          <p:cNvPr id="6" name="TextBox 5">
+            <a:extLst>
+              <a:ext uri="{FF2B5EF4-FFF2-40B4-BE49-F238E27FC236}">
+                <a16:creationId xmlns:a16="http://schemas.microsoft.com/office/drawing/2014/main" id="{BC07DF3D-3DA5-48A2-AF56-E0EE4C97973F}"/>
               </a:ext>
             </a:extLst>
           </p:cNvPr>
@@ -4506,8 +4546,8 @@
         </p:nvSpPr>
         <p:spPr>
           <a:xfrm>
-            <a:off x="1514490" y="1663529"/>
-            <a:ext cx="3996672" cy="1162113"/>
+            <a:off x="1465489" y="1075080"/>
+            <a:ext cx="5643276" cy="307777"/>
           </a:xfrm>
           <a:prstGeom prst="rect">
             <a:avLst/>
@@ -4520,54 +4560,19 @@
           </a:bodyPr>
           <a:lstStyle/>
           <a:p>
-            <a:pPr>
-              <a:lnSpc>
-                <a:spcPct val="150000"/>
-              </a:lnSpc>
-            </a:pPr>
-            <a:r>
-              <a:rPr lang="en-US" sz="1600" dirty="0"/>
-              <a:t>git pull the repository</a:t>
-            </a:r>
-          </a:p>
-          <a:p>
-            <a:pPr>
-              <a:lnSpc>
-                <a:spcPct val="150000"/>
-              </a:lnSpc>
-            </a:pPr>
-            <a:r>
-              <a:rPr lang="en-US" sz="1600" dirty="0"/>
-              <a:t>cp .</a:t>
-            </a:r>
-            <a:r>
-              <a:rPr lang="en-US" sz="1600" dirty="0" err="1"/>
-              <a:t>env.sample</a:t>
-            </a:r>
-            <a:r>
-              <a:rPr lang="en-US" sz="1600" dirty="0"/>
-              <a:t>  .env</a:t>
-            </a:r>
-          </a:p>
-          <a:p>
-            <a:pPr>
-              <a:lnSpc>
-                <a:spcPct val="150000"/>
-              </a:lnSpc>
-            </a:pPr>
-            <a:r>
-              <a:rPr lang="en-US" sz="1600" dirty="0"/>
-              <a:t>deploying the project (docker-compose up -d)</a:t>
-            </a:r>
-          </a:p>
-        </p:txBody>
-      </p:sp>
-      <p:sp>
-        <p:nvSpPr>
-          <p:cNvPr id="5" name="Isosceles Triangle 4">
-            <a:extLst>
-              <a:ext uri="{FF2B5EF4-FFF2-40B4-BE49-F238E27FC236}">
-                <a16:creationId xmlns:a16="http://schemas.microsoft.com/office/drawing/2014/main" id="{C85ECD60-E5E0-4483-A873-0C3618417B19}"/>
+            <a:r>
+              <a:rPr lang="en-US" sz="1400" dirty="0"/>
+              <a:t>Head over to the EC2 Dashboard and click on the "Launch Instance" Button</a:t>
+            </a:r>
+          </a:p>
+        </p:txBody>
+      </p:sp>
+      <p:sp>
+        <p:nvSpPr>
+          <p:cNvPr id="7" name="Isosceles Triangle 6">
+            <a:extLst>
+              <a:ext uri="{FF2B5EF4-FFF2-40B4-BE49-F238E27FC236}">
+                <a16:creationId xmlns:a16="http://schemas.microsoft.com/office/drawing/2014/main" id="{A8D059B5-CFD1-46DD-93EA-316B99B2708C}"/>
               </a:ext>
             </a:extLst>
           </p:cNvPr>
@@ -4576,7 +4581,7 @@
         </p:nvSpPr>
         <p:spPr>
           <a:xfrm rot="5400000">
-            <a:off x="1204096" y="1866194"/>
+            <a:off x="1263517" y="1169079"/>
             <a:ext cx="125835" cy="109057"/>
           </a:xfrm>
           <a:prstGeom prst="triangle">
@@ -4616,256 +4621,10 @@
           </a:p>
         </p:txBody>
       </p:sp>
-      <p:sp>
-        <p:nvSpPr>
-          <p:cNvPr id="6" name="Isosceles Triangle 5">
-            <a:extLst>
-              <a:ext uri="{FF2B5EF4-FFF2-40B4-BE49-F238E27FC236}">
-                <a16:creationId xmlns:a16="http://schemas.microsoft.com/office/drawing/2014/main" id="{94464532-D194-4295-A4DD-06BDA7E5B810}"/>
-              </a:ext>
-            </a:extLst>
-          </p:cNvPr>
-          <p:cNvSpPr/>
-          <p:nvPr/>
-        </p:nvSpPr>
-        <p:spPr>
-          <a:xfrm rot="5400000">
-            <a:off x="1204097" y="2275398"/>
-            <a:ext cx="125835" cy="109057"/>
-          </a:xfrm>
-          <a:prstGeom prst="triangle">
-            <a:avLst/>
-          </a:prstGeom>
-          <a:solidFill>
-            <a:schemeClr val="accent2"/>
-          </a:solidFill>
-          <a:ln>
-            <a:solidFill>
-              <a:schemeClr val="accent2"/>
-            </a:solidFill>
-          </a:ln>
-        </p:spPr>
-        <p:style>
-          <a:lnRef idx="2">
-            <a:schemeClr val="accent1">
-              <a:shade val="50000"/>
-            </a:schemeClr>
-          </a:lnRef>
-          <a:fillRef idx="1">
-            <a:schemeClr val="accent1"/>
-          </a:fillRef>
-          <a:effectRef idx="0">
-            <a:schemeClr val="accent1"/>
-          </a:effectRef>
-          <a:fontRef idx="minor">
-            <a:schemeClr val="lt1"/>
-          </a:fontRef>
-        </p:style>
-        <p:txBody>
-          <a:bodyPr rtlCol="0" anchor="ctr"/>
-          <a:lstStyle/>
-          <a:p>
-            <a:pPr algn="ctr"/>
-            <a:endParaRPr lang="en-US" dirty="0"/>
-          </a:p>
-        </p:txBody>
-      </p:sp>
-      <p:sp>
-        <p:nvSpPr>
-          <p:cNvPr id="7" name="Isosceles Triangle 6">
-            <a:extLst>
-              <a:ext uri="{FF2B5EF4-FFF2-40B4-BE49-F238E27FC236}">
-                <a16:creationId xmlns:a16="http://schemas.microsoft.com/office/drawing/2014/main" id="{CA0C25C4-733B-4235-9999-74E2CBB3D2B3}"/>
-              </a:ext>
-            </a:extLst>
-          </p:cNvPr>
-          <p:cNvSpPr/>
-          <p:nvPr/>
-        </p:nvSpPr>
-        <p:spPr>
-          <a:xfrm rot="5400000">
-            <a:off x="1204096" y="2645279"/>
-            <a:ext cx="125835" cy="109057"/>
-          </a:xfrm>
-          <a:prstGeom prst="triangle">
-            <a:avLst/>
-          </a:prstGeom>
-          <a:solidFill>
-            <a:schemeClr val="accent2"/>
-          </a:solidFill>
-          <a:ln>
-            <a:solidFill>
-              <a:schemeClr val="accent2"/>
-            </a:solidFill>
-          </a:ln>
-        </p:spPr>
-        <p:style>
-          <a:lnRef idx="2">
-            <a:schemeClr val="accent1">
-              <a:shade val="50000"/>
-            </a:schemeClr>
-          </a:lnRef>
-          <a:fillRef idx="1">
-            <a:schemeClr val="accent1"/>
-          </a:fillRef>
-          <a:effectRef idx="0">
-            <a:schemeClr val="accent1"/>
-          </a:effectRef>
-          <a:fontRef idx="minor">
-            <a:schemeClr val="lt1"/>
-          </a:fontRef>
-        </p:style>
-        <p:txBody>
-          <a:bodyPr rtlCol="0" anchor="ctr"/>
-          <a:lstStyle/>
-          <a:p>
-            <a:pPr algn="ctr"/>
-            <a:endParaRPr lang="en-US" dirty="0"/>
-          </a:p>
-        </p:txBody>
-      </p:sp>
-      <p:pic>
-        <p:nvPicPr>
-          <p:cNvPr id="8" name="Picture 7">
-            <a:extLst>
-              <a:ext uri="{FF2B5EF4-FFF2-40B4-BE49-F238E27FC236}">
-                <a16:creationId xmlns:a16="http://schemas.microsoft.com/office/drawing/2014/main" id="{C76E3A7E-EA76-4530-909F-7752CC7546BD}"/>
-              </a:ext>
-            </a:extLst>
-          </p:cNvPr>
-          <p:cNvPicPr>
-            <a:picLocks noChangeAspect="1"/>
-          </p:cNvPicPr>
-          <p:nvPr/>
-        </p:nvPicPr>
-        <p:blipFill>
-          <a:blip r:embed="rId2"/>
-          <a:stretch>
-            <a:fillRect/>
-          </a:stretch>
-        </p:blipFill>
-        <p:spPr>
-          <a:xfrm>
-            <a:off x="1730928" y="3207160"/>
-            <a:ext cx="7186569" cy="2605131"/>
-          </a:xfrm>
-          <a:prstGeom prst="rect">
-            <a:avLst/>
-          </a:prstGeom>
-        </p:spPr>
-      </p:pic>
-      <p:sp>
-        <p:nvSpPr>
-          <p:cNvPr id="9" name="TextBox 8">
-            <a:extLst>
-              <a:ext uri="{FF2B5EF4-FFF2-40B4-BE49-F238E27FC236}">
-                <a16:creationId xmlns:a16="http://schemas.microsoft.com/office/drawing/2014/main" id="{15A8078D-DCBD-4323-BFBA-1D1D30924BC0}"/>
-              </a:ext>
-            </a:extLst>
-          </p:cNvPr>
-          <p:cNvSpPr txBox="1"/>
-          <p:nvPr/>
-        </p:nvSpPr>
-        <p:spPr>
-          <a:xfrm>
-            <a:off x="864066" y="1191892"/>
-            <a:ext cx="6098977" cy="338554"/>
-          </a:xfrm>
-          <a:prstGeom prst="rect">
-            <a:avLst/>
-          </a:prstGeom>
-          <a:noFill/>
-        </p:spPr>
-        <p:txBody>
-          <a:bodyPr wrap="none" rtlCol="0">
-            <a:spAutoFit/>
-          </a:bodyPr>
-          <a:lstStyle/>
-          <a:p>
-            <a:r>
-              <a:rPr lang="es-ES" sz="1600" dirty="0"/>
-              <a:t>Once </a:t>
-            </a:r>
-            <a:r>
-              <a:rPr lang="en-US" sz="1600" dirty="0"/>
-              <a:t>the</a:t>
-            </a:r>
-            <a:r>
-              <a:rPr lang="es-ES" sz="1600" dirty="0"/>
-              <a:t> server </a:t>
-            </a:r>
-            <a:r>
-              <a:rPr lang="en-US" sz="1600" dirty="0"/>
-              <a:t>is</a:t>
-            </a:r>
-            <a:r>
-              <a:rPr lang="es-ES" sz="1600" dirty="0"/>
-              <a:t> </a:t>
-            </a:r>
-            <a:r>
-              <a:rPr lang="en-US" sz="1600" dirty="0"/>
-              <a:t>deployed</a:t>
-            </a:r>
-            <a:r>
-              <a:rPr lang="es-ES" sz="1600" dirty="0"/>
-              <a:t>, </a:t>
-            </a:r>
-            <a:r>
-              <a:rPr lang="en-US" sz="1600" dirty="0"/>
-              <a:t>login</a:t>
-            </a:r>
-            <a:r>
-              <a:rPr lang="es-ES" sz="1600" dirty="0"/>
-              <a:t> </a:t>
-            </a:r>
-            <a:r>
-              <a:rPr lang="en-US" sz="1600" dirty="0"/>
-              <a:t>using</a:t>
-            </a:r>
-            <a:r>
-              <a:rPr lang="es-ES" sz="1600" dirty="0"/>
-              <a:t> SSH, and </a:t>
-            </a:r>
-            <a:r>
-              <a:rPr lang="en-US" sz="1600" dirty="0"/>
-              <a:t>follow</a:t>
-            </a:r>
-            <a:r>
-              <a:rPr lang="es-ES" sz="1600" dirty="0"/>
-              <a:t> </a:t>
-            </a:r>
-            <a:r>
-              <a:rPr lang="en-US" sz="1600" dirty="0"/>
-              <a:t>the</a:t>
-            </a:r>
-            <a:r>
-              <a:rPr lang="es-ES" sz="1600" dirty="0"/>
-              <a:t> </a:t>
-            </a:r>
-            <a:r>
-              <a:rPr lang="en-US" sz="1600" dirty="0"/>
-              <a:t>next</a:t>
-            </a:r>
-            <a:r>
-              <a:rPr lang="es-ES" sz="1600" dirty="0"/>
-              <a:t> </a:t>
-            </a:r>
-            <a:r>
-              <a:rPr lang="en-US" sz="1600" dirty="0"/>
-              <a:t>steps</a:t>
-            </a:r>
-            <a:r>
-              <a:rPr lang="es-ES" sz="1600" dirty="0"/>
-              <a:t>:</a:t>
-            </a:r>
-            <a:endParaRPr lang="en-US" sz="1600" dirty="0"/>
-          </a:p>
-        </p:txBody>
-      </p:sp>
     </p:spTree>
     <p:extLst>
       <p:ext uri="{BB962C8B-B14F-4D97-AF65-F5344CB8AC3E}">
-        <p14:creationId xmlns:p14="http://schemas.microsoft.com/office/powerpoint/2010/main" val="2495921744"/>
+        <p14:creationId xmlns:p14="http://schemas.microsoft.com/office/powerpoint/2010/main" val="30251061"/>
       </p:ext>
     </p:extLst>
   </p:cSld>
@@ -4897,7 +4656,7 @@
           <p:cNvPr id="2" name="TextBox 1">
             <a:extLst>
               <a:ext uri="{FF2B5EF4-FFF2-40B4-BE49-F238E27FC236}">
-                <a16:creationId xmlns:a16="http://schemas.microsoft.com/office/drawing/2014/main" id="{5028191E-94E7-4185-9395-CD559F3586B2}"/>
+                <a16:creationId xmlns:a16="http://schemas.microsoft.com/office/drawing/2014/main" id="{5AA25A46-6DD0-4BB6-AA2B-38692BBC2406}"/>
               </a:ext>
             </a:extLst>
           </p:cNvPr>
@@ -4907,7 +4666,7 @@
         <p:spPr>
           <a:xfrm>
             <a:off x="864066" y="461394"/>
-            <a:ext cx="5065554" cy="523220"/>
+            <a:ext cx="4897687" cy="523220"/>
           </a:xfrm>
           <a:prstGeom prst="rect">
             <a:avLst/>
@@ -4922,7 +4681,7 @@
           <a:p>
             <a:r>
               <a:rPr lang="es-ES" sz="2800" b="1" dirty="0"/>
-              <a:t>CONFIGURING THE APPLICATION</a:t>
+              <a:t>DOCKER DEPLOYMENT ON AWS</a:t>
             </a:r>
             <a:endParaRPr lang="en-US" sz="2800" b="1" dirty="0"/>
           </a:p>
@@ -4933,7 +4692,7 @@
           <p:cNvPr id="3" name="Rectangle 2">
             <a:extLst>
               <a:ext uri="{FF2B5EF4-FFF2-40B4-BE49-F238E27FC236}">
-                <a16:creationId xmlns:a16="http://schemas.microsoft.com/office/drawing/2014/main" id="{BB9BF71E-A21D-4F19-8A83-C55EE761FC44}"/>
+                <a16:creationId xmlns:a16="http://schemas.microsoft.com/office/drawing/2014/main" id="{239A6EE2-0094-4248-8A15-CDCA01EBABB3}"/>
               </a:ext>
             </a:extLst>
           </p:cNvPr>
@@ -4982,55 +4741,12 @@
           </a:p>
         </p:txBody>
       </p:sp>
-      <p:sp>
-        <p:nvSpPr>
-          <p:cNvPr id="5" name="TextBox 4">
-            <a:extLst>
-              <a:ext uri="{FF2B5EF4-FFF2-40B4-BE49-F238E27FC236}">
-                <a16:creationId xmlns:a16="http://schemas.microsoft.com/office/drawing/2014/main" id="{B0218949-4C8F-4A15-8804-232ADD449FBE}"/>
-              </a:ext>
-            </a:extLst>
-          </p:cNvPr>
-          <p:cNvSpPr txBox="1"/>
-          <p:nvPr/>
-        </p:nvSpPr>
-        <p:spPr>
-          <a:xfrm>
-            <a:off x="1212485" y="1260072"/>
-            <a:ext cx="7335854" cy="338554"/>
-          </a:xfrm>
-          <a:prstGeom prst="rect">
-            <a:avLst/>
-          </a:prstGeom>
-          <a:noFill/>
-        </p:spPr>
-        <p:txBody>
-          <a:bodyPr wrap="none" rtlCol="0">
-            <a:spAutoFit/>
-          </a:bodyPr>
-          <a:lstStyle/>
-          <a:p>
-            <a:r>
-              <a:rPr lang="en-US" sz="1600" dirty="0"/>
-              <a:t>Once the project is deployed,  check containers are running with command (docker </a:t>
-            </a:r>
-            <a:r>
-              <a:rPr lang="en-US" sz="1600" dirty="0" err="1"/>
-              <a:t>ps</a:t>
-            </a:r>
-            <a:r>
-              <a:rPr lang="en-US" sz="1600" dirty="0"/>
-              <a:t>)</a:t>
-            </a:r>
-          </a:p>
-        </p:txBody>
-      </p:sp>
       <p:pic>
         <p:nvPicPr>
-          <p:cNvPr id="6" name="Picture 5">
-            <a:extLst>
-              <a:ext uri="{FF2B5EF4-FFF2-40B4-BE49-F238E27FC236}">
-                <a16:creationId xmlns:a16="http://schemas.microsoft.com/office/drawing/2014/main" id="{0FEF5FAC-5DCE-44C6-BCA1-0175ADF77AA7}"/>
+          <p:cNvPr id="5" name="Picture 4">
+            <a:extLst>
+              <a:ext uri="{FF2B5EF4-FFF2-40B4-BE49-F238E27FC236}">
+                <a16:creationId xmlns:a16="http://schemas.microsoft.com/office/drawing/2014/main" id="{06DDE039-64A9-46D4-937D-089895C45900}"/>
               </a:ext>
             </a:extLst>
           </p:cNvPr>
@@ -5039,80 +4755,22 @@
           </p:cNvPicPr>
           <p:nvPr/>
         </p:nvPicPr>
-        <p:blipFill rotWithShape="1">
-          <a:blip r:embed="rId2"/>
-          <a:srcRect r="4198"/>
-          <a:stretch/>
-        </p:blipFill>
-        <p:spPr>
-          <a:xfrm>
-            <a:off x="1251357" y="1820304"/>
-            <a:ext cx="9689285" cy="1425331"/>
-          </a:xfrm>
-          <a:prstGeom prst="rect">
-            <a:avLst/>
-          </a:prstGeom>
-        </p:spPr>
-      </p:pic>
-      <p:sp>
-        <p:nvSpPr>
-          <p:cNvPr id="7" name="TextBox 6">
-            <a:extLst>
-              <a:ext uri="{FF2B5EF4-FFF2-40B4-BE49-F238E27FC236}">
-                <a16:creationId xmlns:a16="http://schemas.microsoft.com/office/drawing/2014/main" id="{94C48A44-BD54-49B7-B5A4-E0C375A995D2}"/>
-              </a:ext>
-            </a:extLst>
-          </p:cNvPr>
-          <p:cNvSpPr txBox="1"/>
-          <p:nvPr/>
-        </p:nvSpPr>
-        <p:spPr>
-          <a:xfrm>
-            <a:off x="1251357" y="3487771"/>
-            <a:ext cx="8181279" cy="338554"/>
-          </a:xfrm>
-          <a:prstGeom prst="rect">
-            <a:avLst/>
-          </a:prstGeom>
-          <a:noFill/>
-        </p:spPr>
-        <p:txBody>
-          <a:bodyPr wrap="none" rtlCol="0">
-            <a:spAutoFit/>
-          </a:bodyPr>
-          <a:lstStyle/>
-          <a:p>
-            <a:r>
-              <a:rPr lang="en-US" sz="1600" dirty="0"/>
-              <a:t>you can go to http://HOST_ADDRESS/install, so you can proceed with the installation procedure:</a:t>
-            </a:r>
-          </a:p>
-        </p:txBody>
-      </p:sp>
-      <p:pic>
-        <p:nvPicPr>
-          <p:cNvPr id="8" name="Picture 7">
-            <a:extLst>
-              <a:ext uri="{FF2B5EF4-FFF2-40B4-BE49-F238E27FC236}">
-                <a16:creationId xmlns:a16="http://schemas.microsoft.com/office/drawing/2014/main" id="{EE99F617-893B-4A74-BF27-714624FD757C}"/>
-              </a:ext>
-            </a:extLst>
-          </p:cNvPr>
-          <p:cNvPicPr>
-            <a:picLocks noChangeAspect="1"/>
-          </p:cNvPicPr>
-          <p:nvPr/>
-        </p:nvPicPr>
         <p:blipFill>
-          <a:blip r:embed="rId3"/>
+          <a:blip r:embed="rId2">
+            <a:extLst>
+              <a:ext uri="{28A0092B-C50C-407E-A947-70E740481C1C}">
+                <a14:useLocalDpi xmlns:a14="http://schemas.microsoft.com/office/drawing/2010/main" val="0"/>
+              </a:ext>
+            </a:extLst>
+          </a:blip>
           <a:stretch>
             <a:fillRect/>
           </a:stretch>
         </p:blipFill>
         <p:spPr>
           <a:xfrm>
-            <a:off x="1660190" y="3982761"/>
-            <a:ext cx="4638437" cy="2250259"/>
+            <a:off x="889571" y="1807283"/>
+            <a:ext cx="9744364" cy="3566667"/>
           </a:xfrm>
           <a:prstGeom prst="rect">
             <a:avLst/>
@@ -5121,10 +4779,45 @@
       </p:pic>
       <p:sp>
         <p:nvSpPr>
-          <p:cNvPr id="9" name="Isosceles Triangle 8">
-            <a:extLst>
-              <a:ext uri="{FF2B5EF4-FFF2-40B4-BE49-F238E27FC236}">
-                <a16:creationId xmlns:a16="http://schemas.microsoft.com/office/drawing/2014/main" id="{9511C994-7A57-4B5B-8B68-20176DB0FEFE}"/>
+          <p:cNvPr id="6" name="TextBox 5">
+            <a:extLst>
+              <a:ext uri="{FF2B5EF4-FFF2-40B4-BE49-F238E27FC236}">
+                <a16:creationId xmlns:a16="http://schemas.microsoft.com/office/drawing/2014/main" id="{D089617E-7262-4E3A-BAB9-7694FF15A9CB}"/>
+              </a:ext>
+            </a:extLst>
+          </p:cNvPr>
+          <p:cNvSpPr txBox="1"/>
+          <p:nvPr/>
+        </p:nvSpPr>
+        <p:spPr>
+          <a:xfrm>
+            <a:off x="1141539" y="1131622"/>
+            <a:ext cx="3845540" cy="307777"/>
+          </a:xfrm>
+          <a:prstGeom prst="rect">
+            <a:avLst/>
+          </a:prstGeom>
+          <a:noFill/>
+        </p:spPr>
+        <p:txBody>
+          <a:bodyPr wrap="none" rtlCol="0">
+            <a:spAutoFit/>
+          </a:bodyPr>
+          <a:lstStyle/>
+          <a:p>
+            <a:r>
+              <a:rPr lang="en-US" sz="1400" dirty="0"/>
+              <a:t>Select "Ubuntu Server 18.04" as Operating System</a:t>
+            </a:r>
+          </a:p>
+        </p:txBody>
+      </p:sp>
+      <p:sp>
+        <p:nvSpPr>
+          <p:cNvPr id="7" name="Isosceles Triangle 6">
+            <a:extLst>
+              <a:ext uri="{FF2B5EF4-FFF2-40B4-BE49-F238E27FC236}">
+                <a16:creationId xmlns:a16="http://schemas.microsoft.com/office/drawing/2014/main" id="{8986E1F7-8D1E-43E8-BD44-11A094EC16F6}"/>
               </a:ext>
             </a:extLst>
           </p:cNvPr>
@@ -5133,7 +4826,7 @@
         </p:nvSpPr>
         <p:spPr>
           <a:xfrm rot="5400000">
-            <a:off x="1095039" y="1376792"/>
+            <a:off x="939567" y="1225621"/>
             <a:ext cx="125835" cy="109057"/>
           </a:xfrm>
           <a:prstGeom prst="triangle">
@@ -5173,64 +4866,10 @@
           </a:p>
         </p:txBody>
       </p:sp>
-      <p:sp>
-        <p:nvSpPr>
-          <p:cNvPr id="10" name="Isosceles Triangle 9">
-            <a:extLst>
-              <a:ext uri="{FF2B5EF4-FFF2-40B4-BE49-F238E27FC236}">
-                <a16:creationId xmlns:a16="http://schemas.microsoft.com/office/drawing/2014/main" id="{358B2172-D6A9-4CAC-834E-7E0CE242836E}"/>
-              </a:ext>
-            </a:extLst>
-          </p:cNvPr>
-          <p:cNvSpPr/>
-          <p:nvPr/>
-        </p:nvSpPr>
-        <p:spPr>
-          <a:xfrm rot="5400000">
-            <a:off x="985982" y="3602519"/>
-            <a:ext cx="125835" cy="109057"/>
-          </a:xfrm>
-          <a:prstGeom prst="triangle">
-            <a:avLst/>
-          </a:prstGeom>
-          <a:solidFill>
-            <a:schemeClr val="accent2"/>
-          </a:solidFill>
-          <a:ln>
-            <a:solidFill>
-              <a:schemeClr val="accent2"/>
-            </a:solidFill>
-          </a:ln>
-        </p:spPr>
-        <p:style>
-          <a:lnRef idx="2">
-            <a:schemeClr val="accent1">
-              <a:shade val="50000"/>
-            </a:schemeClr>
-          </a:lnRef>
-          <a:fillRef idx="1">
-            <a:schemeClr val="accent1"/>
-          </a:fillRef>
-          <a:effectRef idx="0">
-            <a:schemeClr val="accent1"/>
-          </a:effectRef>
-          <a:fontRef idx="minor">
-            <a:schemeClr val="lt1"/>
-          </a:fontRef>
-        </p:style>
-        <p:txBody>
-          <a:bodyPr rtlCol="0" anchor="ctr"/>
-          <a:lstStyle/>
-          <a:p>
-            <a:pPr algn="ctr"/>
-            <a:endParaRPr lang="en-US" dirty="0"/>
-          </a:p>
-        </p:txBody>
-      </p:sp>
     </p:spTree>
     <p:extLst>
       <p:ext uri="{BB962C8B-B14F-4D97-AF65-F5344CB8AC3E}">
-        <p14:creationId xmlns:p14="http://schemas.microsoft.com/office/powerpoint/2010/main" val="3988401073"/>
+        <p14:creationId xmlns:p14="http://schemas.microsoft.com/office/powerpoint/2010/main" val="1357730097"/>
       </p:ext>
     </p:extLst>
   </p:cSld>
@@ -5257,12 +4896,48 @@
           <a:chExt cx="0" cy="0"/>
         </a:xfrm>
       </p:grpSpPr>
-      <p:sp>
-        <p:nvSpPr>
-          <p:cNvPr id="2" name="TextBox 1">
-            <a:extLst>
-              <a:ext uri="{FF2B5EF4-FFF2-40B4-BE49-F238E27FC236}">
-                <a16:creationId xmlns:a16="http://schemas.microsoft.com/office/drawing/2014/main" id="{A53A7014-3F0C-4970-8B5E-E0C820221544}"/>
+      <p:pic>
+        <p:nvPicPr>
+          <p:cNvPr id="3" name="Picture 2">
+            <a:extLst>
+              <a:ext uri="{FF2B5EF4-FFF2-40B4-BE49-F238E27FC236}">
+                <a16:creationId xmlns:a16="http://schemas.microsoft.com/office/drawing/2014/main" id="{39567C54-B3E8-4FDA-A692-F932040572CA}"/>
+              </a:ext>
+            </a:extLst>
+          </p:cNvPr>
+          <p:cNvPicPr>
+            <a:picLocks noChangeAspect="1"/>
+          </p:cNvPicPr>
+          <p:nvPr/>
+        </p:nvPicPr>
+        <p:blipFill>
+          <a:blip r:embed="rId2">
+            <a:extLst>
+              <a:ext uri="{28A0092B-C50C-407E-A947-70E740481C1C}">
+                <a14:useLocalDpi xmlns:a14="http://schemas.microsoft.com/office/drawing/2010/main" val="0"/>
+              </a:ext>
+            </a:extLst>
+          </a:blip>
+          <a:stretch>
+            <a:fillRect/>
+          </a:stretch>
+        </p:blipFill>
+        <p:spPr>
+          <a:xfrm>
+            <a:off x="1057013" y="1672017"/>
+            <a:ext cx="7740073" cy="4308241"/>
+          </a:xfrm>
+          <a:prstGeom prst="rect">
+            <a:avLst/>
+          </a:prstGeom>
+        </p:spPr>
+      </p:pic>
+      <p:sp>
+        <p:nvSpPr>
+          <p:cNvPr id="4" name="TextBox 3">
+            <a:extLst>
+              <a:ext uri="{FF2B5EF4-FFF2-40B4-BE49-F238E27FC236}">
+                <a16:creationId xmlns:a16="http://schemas.microsoft.com/office/drawing/2014/main" id="{D79D400A-B57D-4E6F-B566-C2A8E8FBCDBA}"/>
               </a:ext>
             </a:extLst>
           </p:cNvPr>
@@ -5272,7 +4947,7 @@
         <p:spPr>
           <a:xfrm>
             <a:off x="864066" y="461394"/>
-            <a:ext cx="5065554" cy="523220"/>
+            <a:ext cx="4897687" cy="523220"/>
           </a:xfrm>
           <a:prstGeom prst="rect">
             <a:avLst/>
@@ -5287,7 +4962,7 @@
           <a:p>
             <a:r>
               <a:rPr lang="es-ES" sz="2800" b="1" dirty="0"/>
-              <a:t>CONFIGURING THE APPLICATION</a:t>
+              <a:t>DOCKER DEPLOYMENT ON AWS</a:t>
             </a:r>
             <a:endParaRPr lang="en-US" sz="2800" b="1" dirty="0"/>
           </a:p>
@@ -5295,10 +4970,10 @@
       </p:sp>
       <p:sp>
         <p:nvSpPr>
-          <p:cNvPr id="3" name="Rectangle 2">
-            <a:extLst>
-              <a:ext uri="{FF2B5EF4-FFF2-40B4-BE49-F238E27FC236}">
-                <a16:creationId xmlns:a16="http://schemas.microsoft.com/office/drawing/2014/main" id="{53F84569-38AA-42E0-BE41-A44C591DABED}"/>
+          <p:cNvPr id="5" name="Rectangle 4">
+            <a:extLst>
+              <a:ext uri="{FF2B5EF4-FFF2-40B4-BE49-F238E27FC236}">
+                <a16:creationId xmlns:a16="http://schemas.microsoft.com/office/drawing/2014/main" id="{EAE11820-CB58-421D-841B-799B4EDD341B}"/>
               </a:ext>
             </a:extLst>
           </p:cNvPr>
@@ -5349,10 +5024,10 @@
       </p:sp>
       <p:sp>
         <p:nvSpPr>
-          <p:cNvPr id="4" name="TextBox 3">
-            <a:extLst>
-              <a:ext uri="{FF2B5EF4-FFF2-40B4-BE49-F238E27FC236}">
-                <a16:creationId xmlns:a16="http://schemas.microsoft.com/office/drawing/2014/main" id="{C447ECD3-07DC-4CFE-A0D2-74174E4E2857}"/>
+          <p:cNvPr id="6" name="TextBox 5">
+            <a:extLst>
+              <a:ext uri="{FF2B5EF4-FFF2-40B4-BE49-F238E27FC236}">
+                <a16:creationId xmlns:a16="http://schemas.microsoft.com/office/drawing/2014/main" id="{0F2E1482-D89A-416D-92A6-BD2CF8D43EAA}"/>
               </a:ext>
             </a:extLst>
           </p:cNvPr>
@@ -5361,8 +5036,8 @@
         </p:nvSpPr>
         <p:spPr>
           <a:xfrm>
-            <a:off x="1405432" y="1171072"/>
-            <a:ext cx="6660862" cy="584775"/>
+            <a:off x="1141539" y="1122386"/>
+            <a:ext cx="4534126" cy="307777"/>
           </a:xfrm>
           <a:prstGeom prst="rect">
             <a:avLst/>
@@ -5376,25 +5051,18 @@
           <a:lstStyle/>
           <a:p>
             <a:r>
-              <a:rPr lang="en-US" sz="1600" dirty="0"/>
-              <a:t>Once the process has finished a message like this should appear in the screen. </a:t>
-            </a:r>
-            <a:br>
-              <a:rPr lang="en-US" sz="1600" dirty="0"/>
-            </a:br>
-            <a:r>
-              <a:rPr lang="en-US" sz="1600" dirty="0"/>
-              <a:t>This will confirm that the process ended successfully.</a:t>
-            </a:r>
-          </a:p>
-        </p:txBody>
-      </p:sp>
-      <p:sp>
-        <p:nvSpPr>
-          <p:cNvPr id="5" name="Isosceles Triangle 4">
-            <a:extLst>
-              <a:ext uri="{FF2B5EF4-FFF2-40B4-BE49-F238E27FC236}">
-                <a16:creationId xmlns:a16="http://schemas.microsoft.com/office/drawing/2014/main" id="{8B0627DC-FC6E-48F5-A515-6B61EAA689F4}"/>
+              <a:rPr lang="en-US" sz="1400" dirty="0"/>
+              <a:t>Choose the instance type and Click on "Review and Launch"</a:t>
+            </a:r>
+          </a:p>
+        </p:txBody>
+      </p:sp>
+      <p:sp>
+        <p:nvSpPr>
+          <p:cNvPr id="7" name="Isosceles Triangle 6">
+            <a:extLst>
+              <a:ext uri="{FF2B5EF4-FFF2-40B4-BE49-F238E27FC236}">
+                <a16:creationId xmlns:a16="http://schemas.microsoft.com/office/drawing/2014/main" id="{94FE6E44-117C-41B5-AD55-B14B5A60A994}"/>
               </a:ext>
             </a:extLst>
           </p:cNvPr>
@@ -5403,7 +5071,7 @@
         </p:nvSpPr>
         <p:spPr>
           <a:xfrm rot="5400000">
-            <a:off x="1095039" y="1376792"/>
+            <a:off x="939567" y="1225621"/>
             <a:ext cx="125835" cy="109057"/>
           </a:xfrm>
           <a:prstGeom prst="triangle">
@@ -5443,40 +5111,10 @@
           </a:p>
         </p:txBody>
       </p:sp>
-      <p:pic>
-        <p:nvPicPr>
-          <p:cNvPr id="6" name="Picture 5">
-            <a:extLst>
-              <a:ext uri="{FF2B5EF4-FFF2-40B4-BE49-F238E27FC236}">
-                <a16:creationId xmlns:a16="http://schemas.microsoft.com/office/drawing/2014/main" id="{3A16D0EE-631A-41C4-BD48-7EBDF04E072A}"/>
-              </a:ext>
-            </a:extLst>
-          </p:cNvPr>
-          <p:cNvPicPr>
-            <a:picLocks noChangeAspect="1"/>
-          </p:cNvPicPr>
-          <p:nvPr/>
-        </p:nvPicPr>
-        <p:blipFill>
-          <a:blip r:embed="rId2"/>
-          <a:stretch>
-            <a:fillRect/>
-          </a:stretch>
-        </p:blipFill>
-        <p:spPr>
-          <a:xfrm>
-            <a:off x="1530990" y="2228237"/>
-            <a:ext cx="8505722" cy="2570265"/>
-          </a:xfrm>
-          <a:prstGeom prst="rect">
-            <a:avLst/>
-          </a:prstGeom>
-        </p:spPr>
-      </p:pic>
     </p:spTree>
     <p:extLst>
       <p:ext uri="{BB962C8B-B14F-4D97-AF65-F5344CB8AC3E}">
-        <p14:creationId xmlns:p14="http://schemas.microsoft.com/office/powerpoint/2010/main" val="654025941"/>
+        <p14:creationId xmlns:p14="http://schemas.microsoft.com/office/powerpoint/2010/main" val="1021625226"/>
       </p:ext>
     </p:extLst>
   </p:cSld>
@@ -5508,7 +5146,7 @@
           <p:cNvPr id="2" name="TextBox 1">
             <a:extLst>
               <a:ext uri="{FF2B5EF4-FFF2-40B4-BE49-F238E27FC236}">
-                <a16:creationId xmlns:a16="http://schemas.microsoft.com/office/drawing/2014/main" id="{D7A321C0-854C-4241-946C-E76B70A718CB}"/>
+                <a16:creationId xmlns:a16="http://schemas.microsoft.com/office/drawing/2014/main" id="{2AAA74E8-BB46-4CED-AADD-535F46D72D19}"/>
               </a:ext>
             </a:extLst>
           </p:cNvPr>
@@ -5517,8 +5155,8 @@
         </p:nvSpPr>
         <p:spPr>
           <a:xfrm>
-            <a:off x="1400960" y="1246654"/>
-            <a:ext cx="7170168" cy="338554"/>
+            <a:off x="864066" y="461394"/>
+            <a:ext cx="4897687" cy="523220"/>
           </a:xfrm>
           <a:prstGeom prst="rect">
             <a:avLst/>
@@ -5532,43 +5170,8 @@
           <a:lstStyle/>
           <a:p>
             <a:r>
-              <a:rPr lang="en-US" sz="1600" dirty="0"/>
-              <a:t>You can now go to the main page: http://HOST_ADDRESS, and login into the system.</a:t>
-            </a:r>
-          </a:p>
-        </p:txBody>
-      </p:sp>
-      <p:sp>
-        <p:nvSpPr>
-          <p:cNvPr id="3" name="TextBox 2">
-            <a:extLst>
-              <a:ext uri="{FF2B5EF4-FFF2-40B4-BE49-F238E27FC236}">
-                <a16:creationId xmlns:a16="http://schemas.microsoft.com/office/drawing/2014/main" id="{A6361BDA-1373-4BEE-B4BD-AE11F4B2B9A9}"/>
-              </a:ext>
-            </a:extLst>
-          </p:cNvPr>
-          <p:cNvSpPr txBox="1"/>
-          <p:nvPr/>
-        </p:nvSpPr>
-        <p:spPr>
-          <a:xfrm>
-            <a:off x="864066" y="461394"/>
-            <a:ext cx="5065554" cy="523220"/>
-          </a:xfrm>
-          <a:prstGeom prst="rect">
-            <a:avLst/>
-          </a:prstGeom>
-          <a:noFill/>
-        </p:spPr>
-        <p:txBody>
-          <a:bodyPr wrap="none" rtlCol="0">
-            <a:spAutoFit/>
-          </a:bodyPr>
-          <a:lstStyle/>
-          <a:p>
-            <a:r>
               <a:rPr lang="es-ES" sz="2800" b="1" dirty="0"/>
-              <a:t>CONFIGURING THE APPLICATION</a:t>
+              <a:t>DOCKER DEPLOYMENT ON AWS</a:t>
             </a:r>
             <a:endParaRPr lang="en-US" sz="2800" b="1" dirty="0"/>
           </a:p>
@@ -5576,10 +5179,10 @@
       </p:sp>
       <p:sp>
         <p:nvSpPr>
-          <p:cNvPr id="4" name="Rectangle 3">
-            <a:extLst>
-              <a:ext uri="{FF2B5EF4-FFF2-40B4-BE49-F238E27FC236}">
-                <a16:creationId xmlns:a16="http://schemas.microsoft.com/office/drawing/2014/main" id="{FA93E7EF-8DD6-46A2-A695-55B569C1BD8B}"/>
+          <p:cNvPr id="3" name="Rectangle 2">
+            <a:extLst>
+              <a:ext uri="{FF2B5EF4-FFF2-40B4-BE49-F238E27FC236}">
+                <a16:creationId xmlns:a16="http://schemas.microsoft.com/office/drawing/2014/main" id="{51FF3CB6-C688-4336-917A-6087CFD53EB2}"/>
               </a:ext>
             </a:extLst>
           </p:cNvPr>
@@ -5630,10 +5233,45 @@
       </p:sp>
       <p:sp>
         <p:nvSpPr>
+          <p:cNvPr id="4" name="TextBox 3">
+            <a:extLst>
+              <a:ext uri="{FF2B5EF4-FFF2-40B4-BE49-F238E27FC236}">
+                <a16:creationId xmlns:a16="http://schemas.microsoft.com/office/drawing/2014/main" id="{6282E463-0619-40BB-B405-00FED54B700E}"/>
+              </a:ext>
+            </a:extLst>
+          </p:cNvPr>
+          <p:cNvSpPr txBox="1"/>
+          <p:nvPr/>
+        </p:nvSpPr>
+        <p:spPr>
+          <a:xfrm>
+            <a:off x="1141539" y="1122386"/>
+            <a:ext cx="5992603" cy="307777"/>
+          </a:xfrm>
+          <a:prstGeom prst="rect">
+            <a:avLst/>
+          </a:prstGeom>
+          <a:noFill/>
+        </p:spPr>
+        <p:txBody>
+          <a:bodyPr wrap="none" rtlCol="0">
+            <a:spAutoFit/>
+          </a:bodyPr>
+          <a:lstStyle/>
+          <a:p>
+            <a:r>
+              <a:rPr lang="en-US" sz="1400" dirty="0"/>
+              <a:t>Check EC2 Instances to get the Public IP Address and continue the configuration</a:t>
+            </a:r>
+          </a:p>
+        </p:txBody>
+      </p:sp>
+      <p:sp>
+        <p:nvSpPr>
           <p:cNvPr id="5" name="Isosceles Triangle 4">
             <a:extLst>
               <a:ext uri="{FF2B5EF4-FFF2-40B4-BE49-F238E27FC236}">
-                <a16:creationId xmlns:a16="http://schemas.microsoft.com/office/drawing/2014/main" id="{4D372748-5451-4727-A478-55AD6EE29BFC}"/>
+                <a16:creationId xmlns:a16="http://schemas.microsoft.com/office/drawing/2014/main" id="{ADA097DD-C587-4B07-9835-1004BD5B150A}"/>
               </a:ext>
             </a:extLst>
           </p:cNvPr>
@@ -5642,7 +5280,7 @@
         </p:nvSpPr>
         <p:spPr>
           <a:xfrm rot="5400000">
-            <a:off x="1095039" y="1376792"/>
+            <a:off x="939567" y="1225621"/>
             <a:ext cx="125835" cy="109057"/>
           </a:xfrm>
           <a:prstGeom prst="triangle">
@@ -5684,10 +5322,10 @@
       </p:sp>
       <p:pic>
         <p:nvPicPr>
-          <p:cNvPr id="6" name="Picture 5">
-            <a:extLst>
-              <a:ext uri="{FF2B5EF4-FFF2-40B4-BE49-F238E27FC236}">
-                <a16:creationId xmlns:a16="http://schemas.microsoft.com/office/drawing/2014/main" id="{37799284-436A-40FC-816A-72E0AB60B12B}"/>
+          <p:cNvPr id="7" name="Picture 6">
+            <a:extLst>
+              <a:ext uri="{FF2B5EF4-FFF2-40B4-BE49-F238E27FC236}">
+                <a16:creationId xmlns:a16="http://schemas.microsoft.com/office/drawing/2014/main" id="{7C2DC52D-C1EF-4FC4-B8D5-3DCD6C613236}"/>
               </a:ext>
             </a:extLst>
           </p:cNvPr>
@@ -5697,15 +5335,21 @@
           <p:nvPr/>
         </p:nvPicPr>
         <p:blipFill>
-          <a:blip r:embed="rId2"/>
+          <a:blip r:embed="rId2">
+            <a:extLst>
+              <a:ext uri="{28A0092B-C50C-407E-A947-70E740481C1C}">
+                <a14:useLocalDpi xmlns:a14="http://schemas.microsoft.com/office/drawing/2010/main" val="0"/>
+              </a:ext>
+            </a:extLst>
+          </a:blip>
           <a:stretch>
             <a:fillRect/>
           </a:stretch>
         </p:blipFill>
         <p:spPr>
           <a:xfrm>
-            <a:off x="1893945" y="2009775"/>
-            <a:ext cx="6918855" cy="3216566"/>
+            <a:off x="864066" y="1754909"/>
+            <a:ext cx="9684018" cy="3795414"/>
           </a:xfrm>
           <a:prstGeom prst="rect">
             <a:avLst/>
@@ -5715,7 +5359,7 @@
     </p:spTree>
     <p:extLst>
       <p:ext uri="{BB962C8B-B14F-4D97-AF65-F5344CB8AC3E}">
-        <p14:creationId xmlns:p14="http://schemas.microsoft.com/office/powerpoint/2010/main" val="2862166309"/>
+        <p14:creationId xmlns:p14="http://schemas.microsoft.com/office/powerpoint/2010/main" val="2374937606"/>
       </p:ext>
     </p:extLst>
   </p:cSld>
@@ -5747,7 +5391,7 @@
           <p:cNvPr id="2" name="TextBox 1">
             <a:extLst>
               <a:ext uri="{FF2B5EF4-FFF2-40B4-BE49-F238E27FC236}">
-                <a16:creationId xmlns:a16="http://schemas.microsoft.com/office/drawing/2014/main" id="{356DA1DC-48E4-45BD-9AC3-A34A6A38E112}"/>
+                <a16:creationId xmlns:a16="http://schemas.microsoft.com/office/drawing/2014/main" id="{57A24685-9923-48EC-8430-266914C30B45}"/>
               </a:ext>
             </a:extLst>
           </p:cNvPr>
@@ -5757,7 +5401,7 @@
         <p:spPr>
           <a:xfrm>
             <a:off x="864066" y="461394"/>
-            <a:ext cx="5065554" cy="523220"/>
+            <a:ext cx="5933099" cy="523220"/>
           </a:xfrm>
           <a:prstGeom prst="rect">
             <a:avLst/>
@@ -5772,7 +5416,7 @@
           <a:p>
             <a:r>
               <a:rPr lang="es-ES" sz="2800" b="1" dirty="0"/>
-              <a:t>CONFIGURING THE APPLICATION</a:t>
+              <a:t>DOCKER DEPLOYMENT ON IBM CLOUD</a:t>
             </a:r>
             <a:endParaRPr lang="en-US" sz="2800" b="1" dirty="0"/>
           </a:p>
@@ -5783,7 +5427,7 @@
           <p:cNvPr id="3" name="Rectangle 2">
             <a:extLst>
               <a:ext uri="{FF2B5EF4-FFF2-40B4-BE49-F238E27FC236}">
-                <a16:creationId xmlns:a16="http://schemas.microsoft.com/office/drawing/2014/main" id="{4333A1EC-D90D-46C0-AE9E-34A81C3BFD6E}"/>
+                <a16:creationId xmlns:a16="http://schemas.microsoft.com/office/drawing/2014/main" id="{F7BFFE9A-F5C7-469D-9FA7-F5D60174E612}"/>
               </a:ext>
             </a:extLst>
           </p:cNvPr>
@@ -5837,7 +5481,7 @@
           <p:cNvPr id="4" name="TextBox 3">
             <a:extLst>
               <a:ext uri="{FF2B5EF4-FFF2-40B4-BE49-F238E27FC236}">
-                <a16:creationId xmlns:a16="http://schemas.microsoft.com/office/drawing/2014/main" id="{40F6BF50-5059-40F0-9409-553605067C7D}"/>
+                <a16:creationId xmlns:a16="http://schemas.microsoft.com/office/drawing/2014/main" id="{A8195FC1-5919-471B-A388-2118F88FC936}"/>
               </a:ext>
             </a:extLst>
           </p:cNvPr>
@@ -5846,8 +5490,8 @@
         </p:nvSpPr>
         <p:spPr>
           <a:xfrm>
-            <a:off x="1191236" y="1328563"/>
-            <a:ext cx="9032986" cy="338554"/>
+            <a:off x="1514490" y="1663529"/>
+            <a:ext cx="3996672" cy="1162113"/>
           </a:xfrm>
           <a:prstGeom prst="rect">
             <a:avLst/>
@@ -5860,79 +5504,54 @@
           </a:bodyPr>
           <a:lstStyle/>
           <a:p>
+            <a:pPr>
+              <a:lnSpc>
+                <a:spcPct val="150000"/>
+              </a:lnSpc>
+            </a:pPr>
             <a:r>
               <a:rPr lang="en-US" sz="1600" dirty="0"/>
-              <a:t>Once login into the system, you can access the main interface, and play with all features of the application:</a:t>
-            </a:r>
-          </a:p>
-        </p:txBody>
-      </p:sp>
-      <p:pic>
-        <p:nvPicPr>
-          <p:cNvPr id="5" name="Picture 4">
-            <a:extLst>
-              <a:ext uri="{FF2B5EF4-FFF2-40B4-BE49-F238E27FC236}">
-                <a16:creationId xmlns:a16="http://schemas.microsoft.com/office/drawing/2014/main" id="{550005CF-DACA-4A96-B3E7-692918A50B5C}"/>
-              </a:ext>
-            </a:extLst>
-          </p:cNvPr>
-          <p:cNvPicPr>
-            <a:picLocks noChangeAspect="1"/>
-          </p:cNvPicPr>
-          <p:nvPr/>
-        </p:nvPicPr>
-        <p:blipFill>
-          <a:blip r:embed="rId2"/>
-          <a:stretch>
-            <a:fillRect/>
-          </a:stretch>
-        </p:blipFill>
-        <p:spPr>
-          <a:xfrm>
-            <a:off x="1256382" y="2011066"/>
-            <a:ext cx="6105525" cy="2733675"/>
-          </a:xfrm>
-          <a:prstGeom prst="rect">
-            <a:avLst/>
-          </a:prstGeom>
-        </p:spPr>
-      </p:pic>
-      <p:pic>
-        <p:nvPicPr>
-          <p:cNvPr id="6" name="Picture 5">
-            <a:extLst>
-              <a:ext uri="{FF2B5EF4-FFF2-40B4-BE49-F238E27FC236}">
-                <a16:creationId xmlns:a16="http://schemas.microsoft.com/office/drawing/2014/main" id="{B74B3C7A-2F7A-49DD-87E0-91DA5AC376DC}"/>
-              </a:ext>
-            </a:extLst>
-          </p:cNvPr>
-          <p:cNvPicPr>
-            <a:picLocks noChangeAspect="1"/>
-          </p:cNvPicPr>
-          <p:nvPr/>
-        </p:nvPicPr>
-        <p:blipFill>
-          <a:blip r:embed="rId3"/>
-          <a:stretch>
-            <a:fillRect/>
-          </a:stretch>
-        </p:blipFill>
-        <p:spPr>
-          <a:xfrm>
-            <a:off x="5374023" y="3335041"/>
-            <a:ext cx="6057900" cy="2819400"/>
-          </a:xfrm>
-          <a:prstGeom prst="rect">
-            <a:avLst/>
-          </a:prstGeom>
-        </p:spPr>
-      </p:pic>
-      <p:sp>
-        <p:nvSpPr>
-          <p:cNvPr id="7" name="Isosceles Triangle 6">
-            <a:extLst>
-              <a:ext uri="{FF2B5EF4-FFF2-40B4-BE49-F238E27FC236}">
-                <a16:creationId xmlns:a16="http://schemas.microsoft.com/office/drawing/2014/main" id="{C79FDE92-8A8E-4350-86C3-4168644F1728}"/>
+              <a:t>git pull the repository</a:t>
+            </a:r>
+          </a:p>
+          <a:p>
+            <a:pPr>
+              <a:lnSpc>
+                <a:spcPct val="150000"/>
+              </a:lnSpc>
+            </a:pPr>
+            <a:r>
+              <a:rPr lang="en-US" sz="1600" dirty="0"/>
+              <a:t>cp .</a:t>
+            </a:r>
+            <a:r>
+              <a:rPr lang="en-US" sz="1600" dirty="0" err="1"/>
+              <a:t>env.sample</a:t>
+            </a:r>
+            <a:r>
+              <a:rPr lang="en-US" sz="1600" dirty="0"/>
+              <a:t>  .env</a:t>
+            </a:r>
+          </a:p>
+          <a:p>
+            <a:pPr>
+              <a:lnSpc>
+                <a:spcPct val="150000"/>
+              </a:lnSpc>
+            </a:pPr>
+            <a:r>
+              <a:rPr lang="en-US" sz="1600" dirty="0"/>
+              <a:t>deploying the project (docker-compose up -d)</a:t>
+            </a:r>
+          </a:p>
+        </p:txBody>
+      </p:sp>
+      <p:sp>
+        <p:nvSpPr>
+          <p:cNvPr id="5" name="Isosceles Triangle 4">
+            <a:extLst>
+              <a:ext uri="{FF2B5EF4-FFF2-40B4-BE49-F238E27FC236}">
+                <a16:creationId xmlns:a16="http://schemas.microsoft.com/office/drawing/2014/main" id="{C85ECD60-E5E0-4483-A873-0C3618417B19}"/>
               </a:ext>
             </a:extLst>
           </p:cNvPr>
@@ -5941,7 +5560,7 @@
         </p:nvSpPr>
         <p:spPr>
           <a:xfrm rot="5400000">
-            <a:off x="1048624" y="1451700"/>
+            <a:off x="1204096" y="1866194"/>
             <a:ext cx="125835" cy="109057"/>
           </a:xfrm>
           <a:prstGeom prst="triangle">
@@ -5981,10 +5600,256 @@
           </a:p>
         </p:txBody>
       </p:sp>
+      <p:sp>
+        <p:nvSpPr>
+          <p:cNvPr id="6" name="Isosceles Triangle 5">
+            <a:extLst>
+              <a:ext uri="{FF2B5EF4-FFF2-40B4-BE49-F238E27FC236}">
+                <a16:creationId xmlns:a16="http://schemas.microsoft.com/office/drawing/2014/main" id="{94464532-D194-4295-A4DD-06BDA7E5B810}"/>
+              </a:ext>
+            </a:extLst>
+          </p:cNvPr>
+          <p:cNvSpPr/>
+          <p:nvPr/>
+        </p:nvSpPr>
+        <p:spPr>
+          <a:xfrm rot="5400000">
+            <a:off x="1204097" y="2275398"/>
+            <a:ext cx="125835" cy="109057"/>
+          </a:xfrm>
+          <a:prstGeom prst="triangle">
+            <a:avLst/>
+          </a:prstGeom>
+          <a:solidFill>
+            <a:schemeClr val="accent2"/>
+          </a:solidFill>
+          <a:ln>
+            <a:solidFill>
+              <a:schemeClr val="accent2"/>
+            </a:solidFill>
+          </a:ln>
+        </p:spPr>
+        <p:style>
+          <a:lnRef idx="2">
+            <a:schemeClr val="accent1">
+              <a:shade val="50000"/>
+            </a:schemeClr>
+          </a:lnRef>
+          <a:fillRef idx="1">
+            <a:schemeClr val="accent1"/>
+          </a:fillRef>
+          <a:effectRef idx="0">
+            <a:schemeClr val="accent1"/>
+          </a:effectRef>
+          <a:fontRef idx="minor">
+            <a:schemeClr val="lt1"/>
+          </a:fontRef>
+        </p:style>
+        <p:txBody>
+          <a:bodyPr rtlCol="0" anchor="ctr"/>
+          <a:lstStyle/>
+          <a:p>
+            <a:pPr algn="ctr"/>
+            <a:endParaRPr lang="en-US" dirty="0"/>
+          </a:p>
+        </p:txBody>
+      </p:sp>
+      <p:sp>
+        <p:nvSpPr>
+          <p:cNvPr id="7" name="Isosceles Triangle 6">
+            <a:extLst>
+              <a:ext uri="{FF2B5EF4-FFF2-40B4-BE49-F238E27FC236}">
+                <a16:creationId xmlns:a16="http://schemas.microsoft.com/office/drawing/2014/main" id="{CA0C25C4-733B-4235-9999-74E2CBB3D2B3}"/>
+              </a:ext>
+            </a:extLst>
+          </p:cNvPr>
+          <p:cNvSpPr/>
+          <p:nvPr/>
+        </p:nvSpPr>
+        <p:spPr>
+          <a:xfrm rot="5400000">
+            <a:off x="1204096" y="2645279"/>
+            <a:ext cx="125835" cy="109057"/>
+          </a:xfrm>
+          <a:prstGeom prst="triangle">
+            <a:avLst/>
+          </a:prstGeom>
+          <a:solidFill>
+            <a:schemeClr val="accent2"/>
+          </a:solidFill>
+          <a:ln>
+            <a:solidFill>
+              <a:schemeClr val="accent2"/>
+            </a:solidFill>
+          </a:ln>
+        </p:spPr>
+        <p:style>
+          <a:lnRef idx="2">
+            <a:schemeClr val="accent1">
+              <a:shade val="50000"/>
+            </a:schemeClr>
+          </a:lnRef>
+          <a:fillRef idx="1">
+            <a:schemeClr val="accent1"/>
+          </a:fillRef>
+          <a:effectRef idx="0">
+            <a:schemeClr val="accent1"/>
+          </a:effectRef>
+          <a:fontRef idx="minor">
+            <a:schemeClr val="lt1"/>
+          </a:fontRef>
+        </p:style>
+        <p:txBody>
+          <a:bodyPr rtlCol="0" anchor="ctr"/>
+          <a:lstStyle/>
+          <a:p>
+            <a:pPr algn="ctr"/>
+            <a:endParaRPr lang="en-US" dirty="0"/>
+          </a:p>
+        </p:txBody>
+      </p:sp>
+      <p:pic>
+        <p:nvPicPr>
+          <p:cNvPr id="8" name="Picture 7">
+            <a:extLst>
+              <a:ext uri="{FF2B5EF4-FFF2-40B4-BE49-F238E27FC236}">
+                <a16:creationId xmlns:a16="http://schemas.microsoft.com/office/drawing/2014/main" id="{C76E3A7E-EA76-4530-909F-7752CC7546BD}"/>
+              </a:ext>
+            </a:extLst>
+          </p:cNvPr>
+          <p:cNvPicPr>
+            <a:picLocks noChangeAspect="1"/>
+          </p:cNvPicPr>
+          <p:nvPr/>
+        </p:nvPicPr>
+        <p:blipFill>
+          <a:blip r:embed="rId2"/>
+          <a:stretch>
+            <a:fillRect/>
+          </a:stretch>
+        </p:blipFill>
+        <p:spPr>
+          <a:xfrm>
+            <a:off x="1730928" y="3207160"/>
+            <a:ext cx="7186569" cy="2605131"/>
+          </a:xfrm>
+          <a:prstGeom prst="rect">
+            <a:avLst/>
+          </a:prstGeom>
+        </p:spPr>
+      </p:pic>
+      <p:sp>
+        <p:nvSpPr>
+          <p:cNvPr id="9" name="TextBox 8">
+            <a:extLst>
+              <a:ext uri="{FF2B5EF4-FFF2-40B4-BE49-F238E27FC236}">
+                <a16:creationId xmlns:a16="http://schemas.microsoft.com/office/drawing/2014/main" id="{15A8078D-DCBD-4323-BFBA-1D1D30924BC0}"/>
+              </a:ext>
+            </a:extLst>
+          </p:cNvPr>
+          <p:cNvSpPr txBox="1"/>
+          <p:nvPr/>
+        </p:nvSpPr>
+        <p:spPr>
+          <a:xfrm>
+            <a:off x="864066" y="1191892"/>
+            <a:ext cx="6098977" cy="338554"/>
+          </a:xfrm>
+          <a:prstGeom prst="rect">
+            <a:avLst/>
+          </a:prstGeom>
+          <a:noFill/>
+        </p:spPr>
+        <p:txBody>
+          <a:bodyPr wrap="none" rtlCol="0">
+            <a:spAutoFit/>
+          </a:bodyPr>
+          <a:lstStyle/>
+          <a:p>
+            <a:r>
+              <a:rPr lang="es-ES" sz="1600" dirty="0"/>
+              <a:t>Once </a:t>
+            </a:r>
+            <a:r>
+              <a:rPr lang="en-US" sz="1600" dirty="0"/>
+              <a:t>the</a:t>
+            </a:r>
+            <a:r>
+              <a:rPr lang="es-ES" sz="1600" dirty="0"/>
+              <a:t> server </a:t>
+            </a:r>
+            <a:r>
+              <a:rPr lang="en-US" sz="1600" dirty="0"/>
+              <a:t>is</a:t>
+            </a:r>
+            <a:r>
+              <a:rPr lang="es-ES" sz="1600" dirty="0"/>
+              <a:t> </a:t>
+            </a:r>
+            <a:r>
+              <a:rPr lang="en-US" sz="1600" dirty="0"/>
+              <a:t>deployed</a:t>
+            </a:r>
+            <a:r>
+              <a:rPr lang="es-ES" sz="1600" dirty="0"/>
+              <a:t>, </a:t>
+            </a:r>
+            <a:r>
+              <a:rPr lang="en-US" sz="1600" dirty="0"/>
+              <a:t>login</a:t>
+            </a:r>
+            <a:r>
+              <a:rPr lang="es-ES" sz="1600" dirty="0"/>
+              <a:t> </a:t>
+            </a:r>
+            <a:r>
+              <a:rPr lang="en-US" sz="1600" dirty="0"/>
+              <a:t>using</a:t>
+            </a:r>
+            <a:r>
+              <a:rPr lang="es-ES" sz="1600" dirty="0"/>
+              <a:t> SSH, and </a:t>
+            </a:r>
+            <a:r>
+              <a:rPr lang="en-US" sz="1600" dirty="0"/>
+              <a:t>follow</a:t>
+            </a:r>
+            <a:r>
+              <a:rPr lang="es-ES" sz="1600" dirty="0"/>
+              <a:t> </a:t>
+            </a:r>
+            <a:r>
+              <a:rPr lang="en-US" sz="1600" dirty="0"/>
+              <a:t>the</a:t>
+            </a:r>
+            <a:r>
+              <a:rPr lang="es-ES" sz="1600" dirty="0"/>
+              <a:t> </a:t>
+            </a:r>
+            <a:r>
+              <a:rPr lang="en-US" sz="1600" dirty="0"/>
+              <a:t>next</a:t>
+            </a:r>
+            <a:r>
+              <a:rPr lang="es-ES" sz="1600" dirty="0"/>
+              <a:t> </a:t>
+            </a:r>
+            <a:r>
+              <a:rPr lang="en-US" sz="1600" dirty="0"/>
+              <a:t>steps</a:t>
+            </a:r>
+            <a:r>
+              <a:rPr lang="es-ES" sz="1600" dirty="0"/>
+              <a:t>:</a:t>
+            </a:r>
+            <a:endParaRPr lang="en-US" sz="1600" dirty="0"/>
+          </a:p>
+        </p:txBody>
+      </p:sp>
     </p:spTree>
     <p:extLst>
       <p:ext uri="{BB962C8B-B14F-4D97-AF65-F5344CB8AC3E}">
-        <p14:creationId xmlns:p14="http://schemas.microsoft.com/office/powerpoint/2010/main" val="3235595457"/>
+        <p14:creationId xmlns:p14="http://schemas.microsoft.com/office/powerpoint/2010/main" val="2495921744"/>
       </p:ext>
     </p:extLst>
   </p:cSld>
@@ -6011,41 +5876,12 @@
           <a:chExt cx="0" cy="0"/>
         </a:xfrm>
       </p:grpSpPr>
-      <p:pic>
-        <p:nvPicPr>
-          <p:cNvPr id="2" name="Picture 1">
-            <a:extLst>
-              <a:ext uri="{FF2B5EF4-FFF2-40B4-BE49-F238E27FC236}">
-                <a16:creationId xmlns:a16="http://schemas.microsoft.com/office/drawing/2014/main" id="{E3AEB810-A0C0-4188-A336-FFFFE0AAC98A}"/>
-              </a:ext>
-            </a:extLst>
-          </p:cNvPr>
-          <p:cNvPicPr>
-            <a:picLocks noChangeAspect="1"/>
-          </p:cNvPicPr>
-          <p:nvPr/>
-        </p:nvPicPr>
-        <p:blipFill rotWithShape="1">
-          <a:blip r:embed="rId2"/>
-          <a:srcRect b="11550"/>
-          <a:stretch/>
-        </p:blipFill>
-        <p:spPr>
-          <a:xfrm>
-            <a:off x="995494" y="1510543"/>
-            <a:ext cx="7697860" cy="2873430"/>
-          </a:xfrm>
-          <a:prstGeom prst="rect">
-            <a:avLst/>
-          </a:prstGeom>
-        </p:spPr>
-      </p:pic>
-      <p:sp>
-        <p:nvSpPr>
-          <p:cNvPr id="3" name="TextBox 2">
-            <a:extLst>
-              <a:ext uri="{FF2B5EF4-FFF2-40B4-BE49-F238E27FC236}">
-                <a16:creationId xmlns:a16="http://schemas.microsoft.com/office/drawing/2014/main" id="{8176C2FA-8CEB-4308-9AC3-89AB5F74D473}"/>
+      <p:sp>
+        <p:nvSpPr>
+          <p:cNvPr id="2" name="TextBox 1">
+            <a:extLst>
+              <a:ext uri="{FF2B5EF4-FFF2-40B4-BE49-F238E27FC236}">
+                <a16:creationId xmlns:a16="http://schemas.microsoft.com/office/drawing/2014/main" id="{5028191E-94E7-4185-9395-CD559F3586B2}"/>
               </a:ext>
             </a:extLst>
           </p:cNvPr>
@@ -6078,10 +5914,10 @@
       </p:sp>
       <p:sp>
         <p:nvSpPr>
-          <p:cNvPr id="4" name="Rectangle 3">
-            <a:extLst>
-              <a:ext uri="{FF2B5EF4-FFF2-40B4-BE49-F238E27FC236}">
-                <a16:creationId xmlns:a16="http://schemas.microsoft.com/office/drawing/2014/main" id="{2F46217B-53BB-4120-9A42-9F33FC2C89BA}"/>
+          <p:cNvPr id="3" name="Rectangle 2">
+            <a:extLst>
+              <a:ext uri="{FF2B5EF4-FFF2-40B4-BE49-F238E27FC236}">
+                <a16:creationId xmlns:a16="http://schemas.microsoft.com/office/drawing/2014/main" id="{BB9BF71E-A21D-4F19-8A83-C55EE761FC44}"/>
               </a:ext>
             </a:extLst>
           </p:cNvPr>
@@ -6135,7 +5971,7 @@
           <p:cNvPr id="5" name="TextBox 4">
             <a:extLst>
               <a:ext uri="{FF2B5EF4-FFF2-40B4-BE49-F238E27FC236}">
-                <a16:creationId xmlns:a16="http://schemas.microsoft.com/office/drawing/2014/main" id="{B25D611D-9D7A-4A4B-812A-0DAFB4FE767A}"/>
+                <a16:creationId xmlns:a16="http://schemas.microsoft.com/office/drawing/2014/main" id="{B0218949-4C8F-4A15-8804-232ADD449FBE}"/>
               </a:ext>
             </a:extLst>
           </p:cNvPr>
@@ -6144,8 +5980,8 @@
         </p:nvSpPr>
         <p:spPr>
           <a:xfrm>
-            <a:off x="1208014" y="4449268"/>
-            <a:ext cx="1815112" cy="338554"/>
+            <a:off x="1212485" y="1260072"/>
+            <a:ext cx="7335854" cy="338554"/>
           </a:xfrm>
           <a:prstGeom prst="rect">
             <a:avLst/>
@@ -6160,17 +5996,119 @@
           <a:p>
             <a:r>
               <a:rPr lang="en-US" sz="1600" dirty="0"/>
-              <a:t>Cloud Deployments</a:t>
-            </a:r>
-          </a:p>
-        </p:txBody>
-      </p:sp>
-      <p:sp>
-        <p:nvSpPr>
-          <p:cNvPr id="6" name="Isosceles Triangle 5">
-            <a:extLst>
-              <a:ext uri="{FF2B5EF4-FFF2-40B4-BE49-F238E27FC236}">
-                <a16:creationId xmlns:a16="http://schemas.microsoft.com/office/drawing/2014/main" id="{53C10646-092C-405A-B06F-3E8577ADFDEF}"/>
+              <a:t>Once the project is deployed,  check containers are running with command (docker </a:t>
+            </a:r>
+            <a:r>
+              <a:rPr lang="en-US" sz="1600" dirty="0" err="1"/>
+              <a:t>ps</a:t>
+            </a:r>
+            <a:r>
+              <a:rPr lang="en-US" sz="1600" dirty="0"/>
+              <a:t>)</a:t>
+            </a:r>
+          </a:p>
+        </p:txBody>
+      </p:sp>
+      <p:pic>
+        <p:nvPicPr>
+          <p:cNvPr id="6" name="Picture 5">
+            <a:extLst>
+              <a:ext uri="{FF2B5EF4-FFF2-40B4-BE49-F238E27FC236}">
+                <a16:creationId xmlns:a16="http://schemas.microsoft.com/office/drawing/2014/main" id="{0FEF5FAC-5DCE-44C6-BCA1-0175ADF77AA7}"/>
+              </a:ext>
+            </a:extLst>
+          </p:cNvPr>
+          <p:cNvPicPr>
+            <a:picLocks noChangeAspect="1"/>
+          </p:cNvPicPr>
+          <p:nvPr/>
+        </p:nvPicPr>
+        <p:blipFill rotWithShape="1">
+          <a:blip r:embed="rId2"/>
+          <a:srcRect r="4198"/>
+          <a:stretch/>
+        </p:blipFill>
+        <p:spPr>
+          <a:xfrm>
+            <a:off x="1251357" y="1820304"/>
+            <a:ext cx="9689285" cy="1425331"/>
+          </a:xfrm>
+          <a:prstGeom prst="rect">
+            <a:avLst/>
+          </a:prstGeom>
+        </p:spPr>
+      </p:pic>
+      <p:sp>
+        <p:nvSpPr>
+          <p:cNvPr id="7" name="TextBox 6">
+            <a:extLst>
+              <a:ext uri="{FF2B5EF4-FFF2-40B4-BE49-F238E27FC236}">
+                <a16:creationId xmlns:a16="http://schemas.microsoft.com/office/drawing/2014/main" id="{94C48A44-BD54-49B7-B5A4-E0C375A995D2}"/>
+              </a:ext>
+            </a:extLst>
+          </p:cNvPr>
+          <p:cNvSpPr txBox="1"/>
+          <p:nvPr/>
+        </p:nvSpPr>
+        <p:spPr>
+          <a:xfrm>
+            <a:off x="1251357" y="3487771"/>
+            <a:ext cx="8181279" cy="338554"/>
+          </a:xfrm>
+          <a:prstGeom prst="rect">
+            <a:avLst/>
+          </a:prstGeom>
+          <a:noFill/>
+        </p:spPr>
+        <p:txBody>
+          <a:bodyPr wrap="none" rtlCol="0">
+            <a:spAutoFit/>
+          </a:bodyPr>
+          <a:lstStyle/>
+          <a:p>
+            <a:r>
+              <a:rPr lang="en-US" sz="1600" dirty="0"/>
+              <a:t>you can go to http://HOST_ADDRESS/install, so you can proceed with the installation procedure:</a:t>
+            </a:r>
+          </a:p>
+        </p:txBody>
+      </p:sp>
+      <p:pic>
+        <p:nvPicPr>
+          <p:cNvPr id="8" name="Picture 7">
+            <a:extLst>
+              <a:ext uri="{FF2B5EF4-FFF2-40B4-BE49-F238E27FC236}">
+                <a16:creationId xmlns:a16="http://schemas.microsoft.com/office/drawing/2014/main" id="{EE99F617-893B-4A74-BF27-714624FD757C}"/>
+              </a:ext>
+            </a:extLst>
+          </p:cNvPr>
+          <p:cNvPicPr>
+            <a:picLocks noChangeAspect="1"/>
+          </p:cNvPicPr>
+          <p:nvPr/>
+        </p:nvPicPr>
+        <p:blipFill>
+          <a:blip r:embed="rId3"/>
+          <a:stretch>
+            <a:fillRect/>
+          </a:stretch>
+        </p:blipFill>
+        <p:spPr>
+          <a:xfrm>
+            <a:off x="1660190" y="3982761"/>
+            <a:ext cx="4638437" cy="2250259"/>
+          </a:xfrm>
+          <a:prstGeom prst="rect">
+            <a:avLst/>
+          </a:prstGeom>
+        </p:spPr>
+      </p:pic>
+      <p:sp>
+        <p:nvSpPr>
+          <p:cNvPr id="9" name="Isosceles Triangle 8">
+            <a:extLst>
+              <a:ext uri="{FF2B5EF4-FFF2-40B4-BE49-F238E27FC236}">
+                <a16:creationId xmlns:a16="http://schemas.microsoft.com/office/drawing/2014/main" id="{9511C994-7A57-4B5B-8B68-20176DB0FEFE}"/>
               </a:ext>
             </a:extLst>
           </p:cNvPr>
@@ -6179,7 +6117,7 @@
         </p:nvSpPr>
         <p:spPr>
           <a:xfrm rot="5400000">
-            <a:off x="1065402" y="4572405"/>
+            <a:off x="1095039" y="1376792"/>
             <a:ext cx="125835" cy="109057"/>
           </a:xfrm>
           <a:prstGeom prst="triangle">
@@ -6221,10 +6159,94 @@
       </p:sp>
       <p:sp>
         <p:nvSpPr>
-          <p:cNvPr id="7" name="TextBox 6">
-            <a:extLst>
-              <a:ext uri="{FF2B5EF4-FFF2-40B4-BE49-F238E27FC236}">
-                <a16:creationId xmlns:a16="http://schemas.microsoft.com/office/drawing/2014/main" id="{86D505D6-5EAC-4BAA-9333-B58A669DEBF7}"/>
+          <p:cNvPr id="10" name="Isosceles Triangle 9">
+            <a:extLst>
+              <a:ext uri="{FF2B5EF4-FFF2-40B4-BE49-F238E27FC236}">
+                <a16:creationId xmlns:a16="http://schemas.microsoft.com/office/drawing/2014/main" id="{358B2172-D6A9-4CAC-834E-7E0CE242836E}"/>
+              </a:ext>
+            </a:extLst>
+          </p:cNvPr>
+          <p:cNvSpPr/>
+          <p:nvPr/>
+        </p:nvSpPr>
+        <p:spPr>
+          <a:xfrm rot="5400000">
+            <a:off x="985982" y="3602519"/>
+            <a:ext cx="125835" cy="109057"/>
+          </a:xfrm>
+          <a:prstGeom prst="triangle">
+            <a:avLst/>
+          </a:prstGeom>
+          <a:solidFill>
+            <a:schemeClr val="accent2"/>
+          </a:solidFill>
+          <a:ln>
+            <a:solidFill>
+              <a:schemeClr val="accent2"/>
+            </a:solidFill>
+          </a:ln>
+        </p:spPr>
+        <p:style>
+          <a:lnRef idx="2">
+            <a:schemeClr val="accent1">
+              <a:shade val="50000"/>
+            </a:schemeClr>
+          </a:lnRef>
+          <a:fillRef idx="1">
+            <a:schemeClr val="accent1"/>
+          </a:fillRef>
+          <a:effectRef idx="0">
+            <a:schemeClr val="accent1"/>
+          </a:effectRef>
+          <a:fontRef idx="minor">
+            <a:schemeClr val="lt1"/>
+          </a:fontRef>
+        </p:style>
+        <p:txBody>
+          <a:bodyPr rtlCol="0" anchor="ctr"/>
+          <a:lstStyle/>
+          <a:p>
+            <a:pPr algn="ctr"/>
+            <a:endParaRPr lang="en-US" dirty="0"/>
+          </a:p>
+        </p:txBody>
+      </p:sp>
+    </p:spTree>
+    <p:extLst>
+      <p:ext uri="{BB962C8B-B14F-4D97-AF65-F5344CB8AC3E}">
+        <p14:creationId xmlns:p14="http://schemas.microsoft.com/office/powerpoint/2010/main" val="3988401073"/>
+      </p:ext>
+    </p:extLst>
+  </p:cSld>
+  <p:clrMapOvr>
+    <a:masterClrMapping/>
+  </p:clrMapOvr>
+</p:sld>
+</file>
+
+<file path=ppt/slides/slide19.xml><?xml version="1.0" encoding="utf-8"?>
+<p:sld xmlns:a="http://schemas.openxmlformats.org/drawingml/2006/main" xmlns:r="http://schemas.openxmlformats.org/officeDocument/2006/relationships" xmlns:p="http://schemas.openxmlformats.org/presentationml/2006/main">
+  <p:cSld>
+    <p:spTree>
+      <p:nvGrpSpPr>
+        <p:cNvPr id="1" name=""/>
+        <p:cNvGrpSpPr/>
+        <p:nvPr/>
+      </p:nvGrpSpPr>
+      <p:grpSpPr>
+        <a:xfrm>
+          <a:off x="0" y="0"/>
+          <a:ext cx="0" cy="0"/>
+          <a:chOff x="0" y="0"/>
+          <a:chExt cx="0" cy="0"/>
+        </a:xfrm>
+      </p:grpSpPr>
+      <p:sp>
+        <p:nvSpPr>
+          <p:cNvPr id="2" name="TextBox 1">
+            <a:extLst>
+              <a:ext uri="{FF2B5EF4-FFF2-40B4-BE49-F238E27FC236}">
+                <a16:creationId xmlns:a16="http://schemas.microsoft.com/office/drawing/2014/main" id="{A53A7014-3F0C-4970-8B5E-E0C820221544}"/>
               </a:ext>
             </a:extLst>
           </p:cNvPr>
@@ -6233,8 +6255,8 @@
         </p:nvSpPr>
         <p:spPr>
           <a:xfrm>
-            <a:off x="1291905" y="4978125"/>
-            <a:ext cx="2573333" cy="338554"/>
+            <a:off x="864066" y="461394"/>
+            <a:ext cx="5065554" cy="523220"/>
           </a:xfrm>
           <a:prstGeom prst="rect">
             <a:avLst/>
@@ -6248,18 +6270,73 @@
           <a:lstStyle/>
           <a:p>
             <a:r>
-              <a:rPr lang="en-US" sz="1600" dirty="0"/>
-              <a:t>http://leantimeapp.ddns.net</a:t>
-            </a:r>
-          </a:p>
-        </p:txBody>
-      </p:sp>
-      <p:sp>
-        <p:nvSpPr>
-          <p:cNvPr id="8" name="TextBox 7">
-            <a:extLst>
-              <a:ext uri="{FF2B5EF4-FFF2-40B4-BE49-F238E27FC236}">
-                <a16:creationId xmlns:a16="http://schemas.microsoft.com/office/drawing/2014/main" id="{73AED334-F040-4F20-8812-DFAF47BEAFC5}"/>
+              <a:rPr lang="es-ES" sz="2800" b="1" dirty="0"/>
+              <a:t>CONFIGURING THE APPLICATION</a:t>
+            </a:r>
+            <a:endParaRPr lang="en-US" sz="2800" b="1" dirty="0"/>
+          </a:p>
+        </p:txBody>
+      </p:sp>
+      <p:sp>
+        <p:nvSpPr>
+          <p:cNvPr id="3" name="Rectangle 2">
+            <a:extLst>
+              <a:ext uri="{FF2B5EF4-FFF2-40B4-BE49-F238E27FC236}">
+                <a16:creationId xmlns:a16="http://schemas.microsoft.com/office/drawing/2014/main" id="{53F84569-38AA-42E0-BE41-A44C591DABED}"/>
+              </a:ext>
+            </a:extLst>
+          </p:cNvPr>
+          <p:cNvSpPr/>
+          <p:nvPr/>
+        </p:nvSpPr>
+        <p:spPr>
+          <a:xfrm>
+            <a:off x="947956" y="0"/>
+            <a:ext cx="1182847" cy="117445"/>
+          </a:xfrm>
+          <a:prstGeom prst="rect">
+            <a:avLst/>
+          </a:prstGeom>
+          <a:solidFill>
+            <a:schemeClr val="accent2"/>
+          </a:solidFill>
+          <a:ln>
+            <a:solidFill>
+              <a:schemeClr val="accent2"/>
+            </a:solidFill>
+          </a:ln>
+        </p:spPr>
+        <p:style>
+          <a:lnRef idx="2">
+            <a:schemeClr val="accent1">
+              <a:shade val="50000"/>
+            </a:schemeClr>
+          </a:lnRef>
+          <a:fillRef idx="1">
+            <a:schemeClr val="accent1"/>
+          </a:fillRef>
+          <a:effectRef idx="0">
+            <a:schemeClr val="accent1"/>
+          </a:effectRef>
+          <a:fontRef idx="minor">
+            <a:schemeClr val="lt1"/>
+          </a:fontRef>
+        </p:style>
+        <p:txBody>
+          <a:bodyPr rtlCol="0" anchor="ctr"/>
+          <a:lstStyle/>
+          <a:p>
+            <a:pPr algn="ctr"/>
+            <a:endParaRPr lang="en-US" dirty="0"/>
+          </a:p>
+        </p:txBody>
+      </p:sp>
+      <p:sp>
+        <p:nvSpPr>
+          <p:cNvPr id="4" name="TextBox 3">
+            <a:extLst>
+              <a:ext uri="{FF2B5EF4-FFF2-40B4-BE49-F238E27FC236}">
+                <a16:creationId xmlns:a16="http://schemas.microsoft.com/office/drawing/2014/main" id="{C447ECD3-07DC-4CFE-A0D2-74174E4E2857}"/>
               </a:ext>
             </a:extLst>
           </p:cNvPr>
@@ -6268,8 +6345,8 @@
         </p:nvSpPr>
         <p:spPr>
           <a:xfrm>
-            <a:off x="1291905" y="5412122"/>
-            <a:ext cx="3036601" cy="338554"/>
+            <a:off x="1405432" y="1171072"/>
+            <a:ext cx="6660862" cy="584775"/>
           </a:xfrm>
           <a:prstGeom prst="rect">
             <a:avLst/>
@@ -6284,15 +6361,106 @@
           <a:p>
             <a:r>
               <a:rPr lang="en-US" sz="1600" dirty="0"/>
-              <a:t>http://leantimeapp-aws.ddns.net</a:t>
-            </a:r>
-          </a:p>
-        </p:txBody>
-      </p:sp>
+              <a:t>Once the process has finished a message like this should appear in the screen. </a:t>
+            </a:r>
+            <a:br>
+              <a:rPr lang="en-US" sz="1600" dirty="0"/>
+            </a:br>
+            <a:r>
+              <a:rPr lang="en-US" sz="1600" dirty="0"/>
+              <a:t>This will confirm that the process ended successfully.</a:t>
+            </a:r>
+          </a:p>
+        </p:txBody>
+      </p:sp>
+      <p:sp>
+        <p:nvSpPr>
+          <p:cNvPr id="5" name="Isosceles Triangle 4">
+            <a:extLst>
+              <a:ext uri="{FF2B5EF4-FFF2-40B4-BE49-F238E27FC236}">
+                <a16:creationId xmlns:a16="http://schemas.microsoft.com/office/drawing/2014/main" id="{8B0627DC-FC6E-48F5-A515-6B61EAA689F4}"/>
+              </a:ext>
+            </a:extLst>
+          </p:cNvPr>
+          <p:cNvSpPr/>
+          <p:nvPr/>
+        </p:nvSpPr>
+        <p:spPr>
+          <a:xfrm rot="5400000">
+            <a:off x="1095039" y="1376792"/>
+            <a:ext cx="125835" cy="109057"/>
+          </a:xfrm>
+          <a:prstGeom prst="triangle">
+            <a:avLst/>
+          </a:prstGeom>
+          <a:solidFill>
+            <a:schemeClr val="accent2"/>
+          </a:solidFill>
+          <a:ln>
+            <a:solidFill>
+              <a:schemeClr val="accent2"/>
+            </a:solidFill>
+          </a:ln>
+        </p:spPr>
+        <p:style>
+          <a:lnRef idx="2">
+            <a:schemeClr val="accent1">
+              <a:shade val="50000"/>
+            </a:schemeClr>
+          </a:lnRef>
+          <a:fillRef idx="1">
+            <a:schemeClr val="accent1"/>
+          </a:fillRef>
+          <a:effectRef idx="0">
+            <a:schemeClr val="accent1"/>
+          </a:effectRef>
+          <a:fontRef idx="minor">
+            <a:schemeClr val="lt1"/>
+          </a:fontRef>
+        </p:style>
+        <p:txBody>
+          <a:bodyPr rtlCol="0" anchor="ctr"/>
+          <a:lstStyle/>
+          <a:p>
+            <a:pPr algn="ctr"/>
+            <a:endParaRPr lang="en-US" dirty="0"/>
+          </a:p>
+        </p:txBody>
+      </p:sp>
+      <p:pic>
+        <p:nvPicPr>
+          <p:cNvPr id="6" name="Picture 5">
+            <a:extLst>
+              <a:ext uri="{FF2B5EF4-FFF2-40B4-BE49-F238E27FC236}">
+                <a16:creationId xmlns:a16="http://schemas.microsoft.com/office/drawing/2014/main" id="{3A16D0EE-631A-41C4-BD48-7EBDF04E072A}"/>
+              </a:ext>
+            </a:extLst>
+          </p:cNvPr>
+          <p:cNvPicPr>
+            <a:picLocks noChangeAspect="1"/>
+          </p:cNvPicPr>
+          <p:nvPr/>
+        </p:nvPicPr>
+        <p:blipFill>
+          <a:blip r:embed="rId2"/>
+          <a:stretch>
+            <a:fillRect/>
+          </a:stretch>
+        </p:blipFill>
+        <p:spPr>
+          <a:xfrm>
+            <a:off x="1530990" y="2228237"/>
+            <a:ext cx="8505722" cy="2570265"/>
+          </a:xfrm>
+          <a:prstGeom prst="rect">
+            <a:avLst/>
+          </a:prstGeom>
+        </p:spPr>
+      </p:pic>
     </p:spTree>
     <p:extLst>
       <p:ext uri="{BB962C8B-B14F-4D97-AF65-F5344CB8AC3E}">
-        <p14:creationId xmlns:p14="http://schemas.microsoft.com/office/powerpoint/2010/main" val="3412193004"/>
+        <p14:creationId xmlns:p14="http://schemas.microsoft.com/office/powerpoint/2010/main" val="654025941"/>
       </p:ext>
     </p:extLst>
   </p:cSld>
@@ -6593,6 +6761,822 @@
     <p:extLst>
       <p:ext uri="{BB962C8B-B14F-4D97-AF65-F5344CB8AC3E}">
         <p14:creationId xmlns:p14="http://schemas.microsoft.com/office/powerpoint/2010/main" val="2096062649"/>
+      </p:ext>
+    </p:extLst>
+  </p:cSld>
+  <p:clrMapOvr>
+    <a:masterClrMapping/>
+  </p:clrMapOvr>
+</p:sld>
+</file>
+
+<file path=ppt/slides/slide20.xml><?xml version="1.0" encoding="utf-8"?>
+<p:sld xmlns:a="http://schemas.openxmlformats.org/drawingml/2006/main" xmlns:r="http://schemas.openxmlformats.org/officeDocument/2006/relationships" xmlns:p="http://schemas.openxmlformats.org/presentationml/2006/main">
+  <p:cSld>
+    <p:spTree>
+      <p:nvGrpSpPr>
+        <p:cNvPr id="1" name=""/>
+        <p:cNvGrpSpPr/>
+        <p:nvPr/>
+      </p:nvGrpSpPr>
+      <p:grpSpPr>
+        <a:xfrm>
+          <a:off x="0" y="0"/>
+          <a:ext cx="0" cy="0"/>
+          <a:chOff x="0" y="0"/>
+          <a:chExt cx="0" cy="0"/>
+        </a:xfrm>
+      </p:grpSpPr>
+      <p:sp>
+        <p:nvSpPr>
+          <p:cNvPr id="2" name="TextBox 1">
+            <a:extLst>
+              <a:ext uri="{FF2B5EF4-FFF2-40B4-BE49-F238E27FC236}">
+                <a16:creationId xmlns:a16="http://schemas.microsoft.com/office/drawing/2014/main" id="{D7A321C0-854C-4241-946C-E76B70A718CB}"/>
+              </a:ext>
+            </a:extLst>
+          </p:cNvPr>
+          <p:cNvSpPr txBox="1"/>
+          <p:nvPr/>
+        </p:nvSpPr>
+        <p:spPr>
+          <a:xfrm>
+            <a:off x="1400960" y="1246654"/>
+            <a:ext cx="7170168" cy="338554"/>
+          </a:xfrm>
+          <a:prstGeom prst="rect">
+            <a:avLst/>
+          </a:prstGeom>
+          <a:noFill/>
+        </p:spPr>
+        <p:txBody>
+          <a:bodyPr wrap="none" rtlCol="0">
+            <a:spAutoFit/>
+          </a:bodyPr>
+          <a:lstStyle/>
+          <a:p>
+            <a:r>
+              <a:rPr lang="en-US" sz="1600" dirty="0"/>
+              <a:t>You can now go to the main page: http://HOST_ADDRESS, and login into the system.</a:t>
+            </a:r>
+          </a:p>
+        </p:txBody>
+      </p:sp>
+      <p:sp>
+        <p:nvSpPr>
+          <p:cNvPr id="3" name="TextBox 2">
+            <a:extLst>
+              <a:ext uri="{FF2B5EF4-FFF2-40B4-BE49-F238E27FC236}">
+                <a16:creationId xmlns:a16="http://schemas.microsoft.com/office/drawing/2014/main" id="{A6361BDA-1373-4BEE-B4BD-AE11F4B2B9A9}"/>
+              </a:ext>
+            </a:extLst>
+          </p:cNvPr>
+          <p:cNvSpPr txBox="1"/>
+          <p:nvPr/>
+        </p:nvSpPr>
+        <p:spPr>
+          <a:xfrm>
+            <a:off x="864066" y="461394"/>
+            <a:ext cx="5065554" cy="523220"/>
+          </a:xfrm>
+          <a:prstGeom prst="rect">
+            <a:avLst/>
+          </a:prstGeom>
+          <a:noFill/>
+        </p:spPr>
+        <p:txBody>
+          <a:bodyPr wrap="none" rtlCol="0">
+            <a:spAutoFit/>
+          </a:bodyPr>
+          <a:lstStyle/>
+          <a:p>
+            <a:r>
+              <a:rPr lang="es-ES" sz="2800" b="1" dirty="0"/>
+              <a:t>CONFIGURING THE APPLICATION</a:t>
+            </a:r>
+            <a:endParaRPr lang="en-US" sz="2800" b="1" dirty="0"/>
+          </a:p>
+        </p:txBody>
+      </p:sp>
+      <p:sp>
+        <p:nvSpPr>
+          <p:cNvPr id="4" name="Rectangle 3">
+            <a:extLst>
+              <a:ext uri="{FF2B5EF4-FFF2-40B4-BE49-F238E27FC236}">
+                <a16:creationId xmlns:a16="http://schemas.microsoft.com/office/drawing/2014/main" id="{FA93E7EF-8DD6-46A2-A695-55B569C1BD8B}"/>
+              </a:ext>
+            </a:extLst>
+          </p:cNvPr>
+          <p:cNvSpPr/>
+          <p:nvPr/>
+        </p:nvSpPr>
+        <p:spPr>
+          <a:xfrm>
+            <a:off x="947956" y="0"/>
+            <a:ext cx="1182847" cy="117445"/>
+          </a:xfrm>
+          <a:prstGeom prst="rect">
+            <a:avLst/>
+          </a:prstGeom>
+          <a:solidFill>
+            <a:schemeClr val="accent2"/>
+          </a:solidFill>
+          <a:ln>
+            <a:solidFill>
+              <a:schemeClr val="accent2"/>
+            </a:solidFill>
+          </a:ln>
+        </p:spPr>
+        <p:style>
+          <a:lnRef idx="2">
+            <a:schemeClr val="accent1">
+              <a:shade val="50000"/>
+            </a:schemeClr>
+          </a:lnRef>
+          <a:fillRef idx="1">
+            <a:schemeClr val="accent1"/>
+          </a:fillRef>
+          <a:effectRef idx="0">
+            <a:schemeClr val="accent1"/>
+          </a:effectRef>
+          <a:fontRef idx="minor">
+            <a:schemeClr val="lt1"/>
+          </a:fontRef>
+        </p:style>
+        <p:txBody>
+          <a:bodyPr rtlCol="0" anchor="ctr"/>
+          <a:lstStyle/>
+          <a:p>
+            <a:pPr algn="ctr"/>
+            <a:endParaRPr lang="en-US" dirty="0"/>
+          </a:p>
+        </p:txBody>
+      </p:sp>
+      <p:sp>
+        <p:nvSpPr>
+          <p:cNvPr id="5" name="Isosceles Triangle 4">
+            <a:extLst>
+              <a:ext uri="{FF2B5EF4-FFF2-40B4-BE49-F238E27FC236}">
+                <a16:creationId xmlns:a16="http://schemas.microsoft.com/office/drawing/2014/main" id="{4D372748-5451-4727-A478-55AD6EE29BFC}"/>
+              </a:ext>
+            </a:extLst>
+          </p:cNvPr>
+          <p:cNvSpPr/>
+          <p:nvPr/>
+        </p:nvSpPr>
+        <p:spPr>
+          <a:xfrm rot="5400000">
+            <a:off x="1095039" y="1376792"/>
+            <a:ext cx="125835" cy="109057"/>
+          </a:xfrm>
+          <a:prstGeom prst="triangle">
+            <a:avLst/>
+          </a:prstGeom>
+          <a:solidFill>
+            <a:schemeClr val="accent2"/>
+          </a:solidFill>
+          <a:ln>
+            <a:solidFill>
+              <a:schemeClr val="accent2"/>
+            </a:solidFill>
+          </a:ln>
+        </p:spPr>
+        <p:style>
+          <a:lnRef idx="2">
+            <a:schemeClr val="accent1">
+              <a:shade val="50000"/>
+            </a:schemeClr>
+          </a:lnRef>
+          <a:fillRef idx="1">
+            <a:schemeClr val="accent1"/>
+          </a:fillRef>
+          <a:effectRef idx="0">
+            <a:schemeClr val="accent1"/>
+          </a:effectRef>
+          <a:fontRef idx="minor">
+            <a:schemeClr val="lt1"/>
+          </a:fontRef>
+        </p:style>
+        <p:txBody>
+          <a:bodyPr rtlCol="0" anchor="ctr"/>
+          <a:lstStyle/>
+          <a:p>
+            <a:pPr algn="ctr"/>
+            <a:endParaRPr lang="en-US" dirty="0"/>
+          </a:p>
+        </p:txBody>
+      </p:sp>
+      <p:pic>
+        <p:nvPicPr>
+          <p:cNvPr id="6" name="Picture 5">
+            <a:extLst>
+              <a:ext uri="{FF2B5EF4-FFF2-40B4-BE49-F238E27FC236}">
+                <a16:creationId xmlns:a16="http://schemas.microsoft.com/office/drawing/2014/main" id="{37799284-436A-40FC-816A-72E0AB60B12B}"/>
+              </a:ext>
+            </a:extLst>
+          </p:cNvPr>
+          <p:cNvPicPr>
+            <a:picLocks noChangeAspect="1"/>
+          </p:cNvPicPr>
+          <p:nvPr/>
+        </p:nvPicPr>
+        <p:blipFill>
+          <a:blip r:embed="rId2"/>
+          <a:stretch>
+            <a:fillRect/>
+          </a:stretch>
+        </p:blipFill>
+        <p:spPr>
+          <a:xfrm>
+            <a:off x="1893945" y="2009775"/>
+            <a:ext cx="6918855" cy="3216566"/>
+          </a:xfrm>
+          <a:prstGeom prst="rect">
+            <a:avLst/>
+          </a:prstGeom>
+        </p:spPr>
+      </p:pic>
+    </p:spTree>
+    <p:extLst>
+      <p:ext uri="{BB962C8B-B14F-4D97-AF65-F5344CB8AC3E}">
+        <p14:creationId xmlns:p14="http://schemas.microsoft.com/office/powerpoint/2010/main" val="2862166309"/>
+      </p:ext>
+    </p:extLst>
+  </p:cSld>
+  <p:clrMapOvr>
+    <a:masterClrMapping/>
+  </p:clrMapOvr>
+</p:sld>
+</file>
+
+<file path=ppt/slides/slide21.xml><?xml version="1.0" encoding="utf-8"?>
+<p:sld xmlns:a="http://schemas.openxmlformats.org/drawingml/2006/main" xmlns:r="http://schemas.openxmlformats.org/officeDocument/2006/relationships" xmlns:p="http://schemas.openxmlformats.org/presentationml/2006/main">
+  <p:cSld>
+    <p:spTree>
+      <p:nvGrpSpPr>
+        <p:cNvPr id="1" name=""/>
+        <p:cNvGrpSpPr/>
+        <p:nvPr/>
+      </p:nvGrpSpPr>
+      <p:grpSpPr>
+        <a:xfrm>
+          <a:off x="0" y="0"/>
+          <a:ext cx="0" cy="0"/>
+          <a:chOff x="0" y="0"/>
+          <a:chExt cx="0" cy="0"/>
+        </a:xfrm>
+      </p:grpSpPr>
+      <p:sp>
+        <p:nvSpPr>
+          <p:cNvPr id="2" name="TextBox 1">
+            <a:extLst>
+              <a:ext uri="{FF2B5EF4-FFF2-40B4-BE49-F238E27FC236}">
+                <a16:creationId xmlns:a16="http://schemas.microsoft.com/office/drawing/2014/main" id="{356DA1DC-48E4-45BD-9AC3-A34A6A38E112}"/>
+              </a:ext>
+            </a:extLst>
+          </p:cNvPr>
+          <p:cNvSpPr txBox="1"/>
+          <p:nvPr/>
+        </p:nvSpPr>
+        <p:spPr>
+          <a:xfrm>
+            <a:off x="864066" y="461394"/>
+            <a:ext cx="5065554" cy="523220"/>
+          </a:xfrm>
+          <a:prstGeom prst="rect">
+            <a:avLst/>
+          </a:prstGeom>
+          <a:noFill/>
+        </p:spPr>
+        <p:txBody>
+          <a:bodyPr wrap="none" rtlCol="0">
+            <a:spAutoFit/>
+          </a:bodyPr>
+          <a:lstStyle/>
+          <a:p>
+            <a:r>
+              <a:rPr lang="es-ES" sz="2800" b="1" dirty="0"/>
+              <a:t>CONFIGURING THE APPLICATION</a:t>
+            </a:r>
+            <a:endParaRPr lang="en-US" sz="2800" b="1" dirty="0"/>
+          </a:p>
+        </p:txBody>
+      </p:sp>
+      <p:sp>
+        <p:nvSpPr>
+          <p:cNvPr id="3" name="Rectangle 2">
+            <a:extLst>
+              <a:ext uri="{FF2B5EF4-FFF2-40B4-BE49-F238E27FC236}">
+                <a16:creationId xmlns:a16="http://schemas.microsoft.com/office/drawing/2014/main" id="{4333A1EC-D90D-46C0-AE9E-34A81C3BFD6E}"/>
+              </a:ext>
+            </a:extLst>
+          </p:cNvPr>
+          <p:cNvSpPr/>
+          <p:nvPr/>
+        </p:nvSpPr>
+        <p:spPr>
+          <a:xfrm>
+            <a:off x="947956" y="0"/>
+            <a:ext cx="1182847" cy="117445"/>
+          </a:xfrm>
+          <a:prstGeom prst="rect">
+            <a:avLst/>
+          </a:prstGeom>
+          <a:solidFill>
+            <a:schemeClr val="accent2"/>
+          </a:solidFill>
+          <a:ln>
+            <a:solidFill>
+              <a:schemeClr val="accent2"/>
+            </a:solidFill>
+          </a:ln>
+        </p:spPr>
+        <p:style>
+          <a:lnRef idx="2">
+            <a:schemeClr val="accent1">
+              <a:shade val="50000"/>
+            </a:schemeClr>
+          </a:lnRef>
+          <a:fillRef idx="1">
+            <a:schemeClr val="accent1"/>
+          </a:fillRef>
+          <a:effectRef idx="0">
+            <a:schemeClr val="accent1"/>
+          </a:effectRef>
+          <a:fontRef idx="minor">
+            <a:schemeClr val="lt1"/>
+          </a:fontRef>
+        </p:style>
+        <p:txBody>
+          <a:bodyPr rtlCol="0" anchor="ctr"/>
+          <a:lstStyle/>
+          <a:p>
+            <a:pPr algn="ctr"/>
+            <a:endParaRPr lang="en-US" dirty="0"/>
+          </a:p>
+        </p:txBody>
+      </p:sp>
+      <p:sp>
+        <p:nvSpPr>
+          <p:cNvPr id="4" name="TextBox 3">
+            <a:extLst>
+              <a:ext uri="{FF2B5EF4-FFF2-40B4-BE49-F238E27FC236}">
+                <a16:creationId xmlns:a16="http://schemas.microsoft.com/office/drawing/2014/main" id="{40F6BF50-5059-40F0-9409-553605067C7D}"/>
+              </a:ext>
+            </a:extLst>
+          </p:cNvPr>
+          <p:cNvSpPr txBox="1"/>
+          <p:nvPr/>
+        </p:nvSpPr>
+        <p:spPr>
+          <a:xfrm>
+            <a:off x="1191236" y="1328563"/>
+            <a:ext cx="9032986" cy="338554"/>
+          </a:xfrm>
+          <a:prstGeom prst="rect">
+            <a:avLst/>
+          </a:prstGeom>
+          <a:noFill/>
+        </p:spPr>
+        <p:txBody>
+          <a:bodyPr wrap="none" rtlCol="0">
+            <a:spAutoFit/>
+          </a:bodyPr>
+          <a:lstStyle/>
+          <a:p>
+            <a:r>
+              <a:rPr lang="en-US" sz="1600" dirty="0"/>
+              <a:t>Once login into the system, you can access the main interface, and play with all features of the application:</a:t>
+            </a:r>
+          </a:p>
+        </p:txBody>
+      </p:sp>
+      <p:pic>
+        <p:nvPicPr>
+          <p:cNvPr id="5" name="Picture 4">
+            <a:extLst>
+              <a:ext uri="{FF2B5EF4-FFF2-40B4-BE49-F238E27FC236}">
+                <a16:creationId xmlns:a16="http://schemas.microsoft.com/office/drawing/2014/main" id="{550005CF-DACA-4A96-B3E7-692918A50B5C}"/>
+              </a:ext>
+            </a:extLst>
+          </p:cNvPr>
+          <p:cNvPicPr>
+            <a:picLocks noChangeAspect="1"/>
+          </p:cNvPicPr>
+          <p:nvPr/>
+        </p:nvPicPr>
+        <p:blipFill>
+          <a:blip r:embed="rId2"/>
+          <a:stretch>
+            <a:fillRect/>
+          </a:stretch>
+        </p:blipFill>
+        <p:spPr>
+          <a:xfrm>
+            <a:off x="1256382" y="2011066"/>
+            <a:ext cx="6105525" cy="2733675"/>
+          </a:xfrm>
+          <a:prstGeom prst="rect">
+            <a:avLst/>
+          </a:prstGeom>
+        </p:spPr>
+      </p:pic>
+      <p:pic>
+        <p:nvPicPr>
+          <p:cNvPr id="6" name="Picture 5">
+            <a:extLst>
+              <a:ext uri="{FF2B5EF4-FFF2-40B4-BE49-F238E27FC236}">
+                <a16:creationId xmlns:a16="http://schemas.microsoft.com/office/drawing/2014/main" id="{B74B3C7A-2F7A-49DD-87E0-91DA5AC376DC}"/>
+              </a:ext>
+            </a:extLst>
+          </p:cNvPr>
+          <p:cNvPicPr>
+            <a:picLocks noChangeAspect="1"/>
+          </p:cNvPicPr>
+          <p:nvPr/>
+        </p:nvPicPr>
+        <p:blipFill>
+          <a:blip r:embed="rId3"/>
+          <a:stretch>
+            <a:fillRect/>
+          </a:stretch>
+        </p:blipFill>
+        <p:spPr>
+          <a:xfrm>
+            <a:off x="5374023" y="3335041"/>
+            <a:ext cx="6057900" cy="2819400"/>
+          </a:xfrm>
+          <a:prstGeom prst="rect">
+            <a:avLst/>
+          </a:prstGeom>
+        </p:spPr>
+      </p:pic>
+      <p:sp>
+        <p:nvSpPr>
+          <p:cNvPr id="7" name="Isosceles Triangle 6">
+            <a:extLst>
+              <a:ext uri="{FF2B5EF4-FFF2-40B4-BE49-F238E27FC236}">
+                <a16:creationId xmlns:a16="http://schemas.microsoft.com/office/drawing/2014/main" id="{C79FDE92-8A8E-4350-86C3-4168644F1728}"/>
+              </a:ext>
+            </a:extLst>
+          </p:cNvPr>
+          <p:cNvSpPr/>
+          <p:nvPr/>
+        </p:nvSpPr>
+        <p:spPr>
+          <a:xfrm rot="5400000">
+            <a:off x="1048624" y="1451700"/>
+            <a:ext cx="125835" cy="109057"/>
+          </a:xfrm>
+          <a:prstGeom prst="triangle">
+            <a:avLst/>
+          </a:prstGeom>
+          <a:solidFill>
+            <a:schemeClr val="accent2"/>
+          </a:solidFill>
+          <a:ln>
+            <a:solidFill>
+              <a:schemeClr val="accent2"/>
+            </a:solidFill>
+          </a:ln>
+        </p:spPr>
+        <p:style>
+          <a:lnRef idx="2">
+            <a:schemeClr val="accent1">
+              <a:shade val="50000"/>
+            </a:schemeClr>
+          </a:lnRef>
+          <a:fillRef idx="1">
+            <a:schemeClr val="accent1"/>
+          </a:fillRef>
+          <a:effectRef idx="0">
+            <a:schemeClr val="accent1"/>
+          </a:effectRef>
+          <a:fontRef idx="minor">
+            <a:schemeClr val="lt1"/>
+          </a:fontRef>
+        </p:style>
+        <p:txBody>
+          <a:bodyPr rtlCol="0" anchor="ctr"/>
+          <a:lstStyle/>
+          <a:p>
+            <a:pPr algn="ctr"/>
+            <a:endParaRPr lang="en-US" dirty="0"/>
+          </a:p>
+        </p:txBody>
+      </p:sp>
+    </p:spTree>
+    <p:extLst>
+      <p:ext uri="{BB962C8B-B14F-4D97-AF65-F5344CB8AC3E}">
+        <p14:creationId xmlns:p14="http://schemas.microsoft.com/office/powerpoint/2010/main" val="3235595457"/>
+      </p:ext>
+    </p:extLst>
+  </p:cSld>
+  <p:clrMapOvr>
+    <a:masterClrMapping/>
+  </p:clrMapOvr>
+</p:sld>
+</file>
+
+<file path=ppt/slides/slide22.xml><?xml version="1.0" encoding="utf-8"?>
+<p:sld xmlns:a="http://schemas.openxmlformats.org/drawingml/2006/main" xmlns:r="http://schemas.openxmlformats.org/officeDocument/2006/relationships" xmlns:p="http://schemas.openxmlformats.org/presentationml/2006/main">
+  <p:cSld>
+    <p:spTree>
+      <p:nvGrpSpPr>
+        <p:cNvPr id="1" name=""/>
+        <p:cNvGrpSpPr/>
+        <p:nvPr/>
+      </p:nvGrpSpPr>
+      <p:grpSpPr>
+        <a:xfrm>
+          <a:off x="0" y="0"/>
+          <a:ext cx="0" cy="0"/>
+          <a:chOff x="0" y="0"/>
+          <a:chExt cx="0" cy="0"/>
+        </a:xfrm>
+      </p:grpSpPr>
+      <p:pic>
+        <p:nvPicPr>
+          <p:cNvPr id="2" name="Picture 1">
+            <a:extLst>
+              <a:ext uri="{FF2B5EF4-FFF2-40B4-BE49-F238E27FC236}">
+                <a16:creationId xmlns:a16="http://schemas.microsoft.com/office/drawing/2014/main" id="{E3AEB810-A0C0-4188-A336-FFFFE0AAC98A}"/>
+              </a:ext>
+            </a:extLst>
+          </p:cNvPr>
+          <p:cNvPicPr>
+            <a:picLocks noChangeAspect="1"/>
+          </p:cNvPicPr>
+          <p:nvPr/>
+        </p:nvPicPr>
+        <p:blipFill rotWithShape="1">
+          <a:blip r:embed="rId2"/>
+          <a:srcRect b="11550"/>
+          <a:stretch/>
+        </p:blipFill>
+        <p:spPr>
+          <a:xfrm>
+            <a:off x="995494" y="1510543"/>
+            <a:ext cx="7697860" cy="2873430"/>
+          </a:xfrm>
+          <a:prstGeom prst="rect">
+            <a:avLst/>
+          </a:prstGeom>
+        </p:spPr>
+      </p:pic>
+      <p:sp>
+        <p:nvSpPr>
+          <p:cNvPr id="3" name="TextBox 2">
+            <a:extLst>
+              <a:ext uri="{FF2B5EF4-FFF2-40B4-BE49-F238E27FC236}">
+                <a16:creationId xmlns:a16="http://schemas.microsoft.com/office/drawing/2014/main" id="{8176C2FA-8CEB-4308-9AC3-89AB5F74D473}"/>
+              </a:ext>
+            </a:extLst>
+          </p:cNvPr>
+          <p:cNvSpPr txBox="1"/>
+          <p:nvPr/>
+        </p:nvSpPr>
+        <p:spPr>
+          <a:xfrm>
+            <a:off x="864066" y="461394"/>
+            <a:ext cx="5065554" cy="523220"/>
+          </a:xfrm>
+          <a:prstGeom prst="rect">
+            <a:avLst/>
+          </a:prstGeom>
+          <a:noFill/>
+        </p:spPr>
+        <p:txBody>
+          <a:bodyPr wrap="none" rtlCol="0">
+            <a:spAutoFit/>
+          </a:bodyPr>
+          <a:lstStyle/>
+          <a:p>
+            <a:r>
+              <a:rPr lang="es-ES" sz="2800" b="1" dirty="0"/>
+              <a:t>CONFIGURING THE APPLICATION</a:t>
+            </a:r>
+            <a:endParaRPr lang="en-US" sz="2800" b="1" dirty="0"/>
+          </a:p>
+        </p:txBody>
+      </p:sp>
+      <p:sp>
+        <p:nvSpPr>
+          <p:cNvPr id="4" name="Rectangle 3">
+            <a:extLst>
+              <a:ext uri="{FF2B5EF4-FFF2-40B4-BE49-F238E27FC236}">
+                <a16:creationId xmlns:a16="http://schemas.microsoft.com/office/drawing/2014/main" id="{2F46217B-53BB-4120-9A42-9F33FC2C89BA}"/>
+              </a:ext>
+            </a:extLst>
+          </p:cNvPr>
+          <p:cNvSpPr/>
+          <p:nvPr/>
+        </p:nvSpPr>
+        <p:spPr>
+          <a:xfrm>
+            <a:off x="947956" y="0"/>
+            <a:ext cx="1182847" cy="117445"/>
+          </a:xfrm>
+          <a:prstGeom prst="rect">
+            <a:avLst/>
+          </a:prstGeom>
+          <a:solidFill>
+            <a:schemeClr val="accent2"/>
+          </a:solidFill>
+          <a:ln>
+            <a:solidFill>
+              <a:schemeClr val="accent2"/>
+            </a:solidFill>
+          </a:ln>
+        </p:spPr>
+        <p:style>
+          <a:lnRef idx="2">
+            <a:schemeClr val="accent1">
+              <a:shade val="50000"/>
+            </a:schemeClr>
+          </a:lnRef>
+          <a:fillRef idx="1">
+            <a:schemeClr val="accent1"/>
+          </a:fillRef>
+          <a:effectRef idx="0">
+            <a:schemeClr val="accent1"/>
+          </a:effectRef>
+          <a:fontRef idx="minor">
+            <a:schemeClr val="lt1"/>
+          </a:fontRef>
+        </p:style>
+        <p:txBody>
+          <a:bodyPr rtlCol="0" anchor="ctr"/>
+          <a:lstStyle/>
+          <a:p>
+            <a:pPr algn="ctr"/>
+            <a:endParaRPr lang="en-US" dirty="0"/>
+          </a:p>
+        </p:txBody>
+      </p:sp>
+      <p:sp>
+        <p:nvSpPr>
+          <p:cNvPr id="5" name="TextBox 4">
+            <a:extLst>
+              <a:ext uri="{FF2B5EF4-FFF2-40B4-BE49-F238E27FC236}">
+                <a16:creationId xmlns:a16="http://schemas.microsoft.com/office/drawing/2014/main" id="{B25D611D-9D7A-4A4B-812A-0DAFB4FE767A}"/>
+              </a:ext>
+            </a:extLst>
+          </p:cNvPr>
+          <p:cNvSpPr txBox="1"/>
+          <p:nvPr/>
+        </p:nvSpPr>
+        <p:spPr>
+          <a:xfrm>
+            <a:off x="1208014" y="4449268"/>
+            <a:ext cx="1815112" cy="338554"/>
+          </a:xfrm>
+          <a:prstGeom prst="rect">
+            <a:avLst/>
+          </a:prstGeom>
+          <a:noFill/>
+        </p:spPr>
+        <p:txBody>
+          <a:bodyPr wrap="none" rtlCol="0">
+            <a:spAutoFit/>
+          </a:bodyPr>
+          <a:lstStyle/>
+          <a:p>
+            <a:r>
+              <a:rPr lang="en-US" sz="1600" dirty="0"/>
+              <a:t>Cloud Deployments</a:t>
+            </a:r>
+          </a:p>
+        </p:txBody>
+      </p:sp>
+      <p:sp>
+        <p:nvSpPr>
+          <p:cNvPr id="6" name="Isosceles Triangle 5">
+            <a:extLst>
+              <a:ext uri="{FF2B5EF4-FFF2-40B4-BE49-F238E27FC236}">
+                <a16:creationId xmlns:a16="http://schemas.microsoft.com/office/drawing/2014/main" id="{53C10646-092C-405A-B06F-3E8577ADFDEF}"/>
+              </a:ext>
+            </a:extLst>
+          </p:cNvPr>
+          <p:cNvSpPr/>
+          <p:nvPr/>
+        </p:nvSpPr>
+        <p:spPr>
+          <a:xfrm rot="5400000">
+            <a:off x="1065402" y="4572405"/>
+            <a:ext cx="125835" cy="109057"/>
+          </a:xfrm>
+          <a:prstGeom prst="triangle">
+            <a:avLst/>
+          </a:prstGeom>
+          <a:solidFill>
+            <a:schemeClr val="accent2"/>
+          </a:solidFill>
+          <a:ln>
+            <a:solidFill>
+              <a:schemeClr val="accent2"/>
+            </a:solidFill>
+          </a:ln>
+        </p:spPr>
+        <p:style>
+          <a:lnRef idx="2">
+            <a:schemeClr val="accent1">
+              <a:shade val="50000"/>
+            </a:schemeClr>
+          </a:lnRef>
+          <a:fillRef idx="1">
+            <a:schemeClr val="accent1"/>
+          </a:fillRef>
+          <a:effectRef idx="0">
+            <a:schemeClr val="accent1"/>
+          </a:effectRef>
+          <a:fontRef idx="minor">
+            <a:schemeClr val="lt1"/>
+          </a:fontRef>
+        </p:style>
+        <p:txBody>
+          <a:bodyPr rtlCol="0" anchor="ctr"/>
+          <a:lstStyle/>
+          <a:p>
+            <a:pPr algn="ctr"/>
+            <a:endParaRPr lang="en-US" dirty="0"/>
+          </a:p>
+        </p:txBody>
+      </p:sp>
+      <p:sp>
+        <p:nvSpPr>
+          <p:cNvPr id="7" name="TextBox 6">
+            <a:extLst>
+              <a:ext uri="{FF2B5EF4-FFF2-40B4-BE49-F238E27FC236}">
+                <a16:creationId xmlns:a16="http://schemas.microsoft.com/office/drawing/2014/main" id="{86D505D6-5EAC-4BAA-9333-B58A669DEBF7}"/>
+              </a:ext>
+            </a:extLst>
+          </p:cNvPr>
+          <p:cNvSpPr txBox="1"/>
+          <p:nvPr/>
+        </p:nvSpPr>
+        <p:spPr>
+          <a:xfrm>
+            <a:off x="1291905" y="4978125"/>
+            <a:ext cx="2573333" cy="338554"/>
+          </a:xfrm>
+          <a:prstGeom prst="rect">
+            <a:avLst/>
+          </a:prstGeom>
+          <a:noFill/>
+        </p:spPr>
+        <p:txBody>
+          <a:bodyPr wrap="none" rtlCol="0">
+            <a:spAutoFit/>
+          </a:bodyPr>
+          <a:lstStyle/>
+          <a:p>
+            <a:r>
+              <a:rPr lang="en-US" sz="1600" dirty="0"/>
+              <a:t>http://leantimeapp.ddns.net</a:t>
+            </a:r>
+          </a:p>
+        </p:txBody>
+      </p:sp>
+      <p:sp>
+        <p:nvSpPr>
+          <p:cNvPr id="8" name="TextBox 7">
+            <a:extLst>
+              <a:ext uri="{FF2B5EF4-FFF2-40B4-BE49-F238E27FC236}">
+                <a16:creationId xmlns:a16="http://schemas.microsoft.com/office/drawing/2014/main" id="{73AED334-F040-4F20-8812-DFAF47BEAFC5}"/>
+              </a:ext>
+            </a:extLst>
+          </p:cNvPr>
+          <p:cNvSpPr txBox="1"/>
+          <p:nvPr/>
+        </p:nvSpPr>
+        <p:spPr>
+          <a:xfrm>
+            <a:off x="1291905" y="5412122"/>
+            <a:ext cx="3036601" cy="338554"/>
+          </a:xfrm>
+          <a:prstGeom prst="rect">
+            <a:avLst/>
+          </a:prstGeom>
+          <a:noFill/>
+        </p:spPr>
+        <p:txBody>
+          <a:bodyPr wrap="none" rtlCol="0">
+            <a:spAutoFit/>
+          </a:bodyPr>
+          <a:lstStyle/>
+          <a:p>
+            <a:r>
+              <a:rPr lang="en-US" sz="1600" dirty="0"/>
+              <a:t>http://leantimeapp-aws.ddns.net</a:t>
+            </a:r>
+          </a:p>
+        </p:txBody>
+      </p:sp>
+    </p:spTree>
+    <p:extLst>
+      <p:ext uri="{BB962C8B-B14F-4D97-AF65-F5344CB8AC3E}">
+        <p14:creationId xmlns:p14="http://schemas.microsoft.com/office/powerpoint/2010/main" val="3412193004"/>
       </p:ext>
     </p:extLst>
   </p:cSld>

--- a/Final Project.pptx
+++ b/Final Project.pptx
@@ -5401,7 +5401,7 @@
         <p:spPr>
           <a:xfrm>
             <a:off x="864066" y="461394"/>
-            <a:ext cx="5933099" cy="523220"/>
+            <a:ext cx="3639073" cy="523220"/>
           </a:xfrm>
           <a:prstGeom prst="rect">
             <a:avLst/>
@@ -5416,7 +5416,7 @@
           <a:p>
             <a:r>
               <a:rPr lang="es-ES" sz="2800" b="1" dirty="0"/>
-              <a:t>DOCKER DEPLOYMENT ON IBM CLOUD</a:t>
+              <a:t>DOCKER DEPLOYMENT</a:t>
             </a:r>
             <a:endParaRPr lang="en-US" sz="2800" b="1" dirty="0"/>
           </a:p>

--- a/Final Project.pptx
+++ b/Final Project.pptx
@@ -27,6 +27,7 @@
     <p:sldId id="270" r:id="rId21"/>
     <p:sldId id="271" r:id="rId22"/>
     <p:sldId id="272" r:id="rId23"/>
+    <p:sldId id="278" r:id="rId24"/>
   </p:sldIdLst>
   <p:sldSz cx="12192000" cy="6858000"/>
   <p:notesSz cx="6858000" cy="9144000"/>
@@ -280,7 +281,7 @@
           <a:p>
             <a:fld id="{5E75392F-B4A5-4821-9661-89672F70A95E}" type="datetimeFigureOut">
               <a:rPr lang="en-US" smtClean="0"/>
-              <a:t>12/3/2019</a:t>
+              <a:t>12/6/2019</a:t>
             </a:fld>
             <a:endParaRPr lang="en-US"/>
           </a:p>
@@ -478,7 +479,7 @@
           <a:p>
             <a:fld id="{5E75392F-B4A5-4821-9661-89672F70A95E}" type="datetimeFigureOut">
               <a:rPr lang="en-US" smtClean="0"/>
-              <a:t>12/3/2019</a:t>
+              <a:t>12/6/2019</a:t>
             </a:fld>
             <a:endParaRPr lang="en-US"/>
           </a:p>
@@ -686,7 +687,7 @@
           <a:p>
             <a:fld id="{5E75392F-B4A5-4821-9661-89672F70A95E}" type="datetimeFigureOut">
               <a:rPr lang="en-US" smtClean="0"/>
-              <a:t>12/3/2019</a:t>
+              <a:t>12/6/2019</a:t>
             </a:fld>
             <a:endParaRPr lang="en-US"/>
           </a:p>
@@ -884,7 +885,7 @@
           <a:p>
             <a:fld id="{5E75392F-B4A5-4821-9661-89672F70A95E}" type="datetimeFigureOut">
               <a:rPr lang="en-US" smtClean="0"/>
-              <a:t>12/3/2019</a:t>
+              <a:t>12/6/2019</a:t>
             </a:fld>
             <a:endParaRPr lang="en-US"/>
           </a:p>
@@ -1159,7 +1160,7 @@
           <a:p>
             <a:fld id="{5E75392F-B4A5-4821-9661-89672F70A95E}" type="datetimeFigureOut">
               <a:rPr lang="en-US" smtClean="0"/>
-              <a:t>12/3/2019</a:t>
+              <a:t>12/6/2019</a:t>
             </a:fld>
             <a:endParaRPr lang="en-US"/>
           </a:p>
@@ -1424,7 +1425,7 @@
           <a:p>
             <a:fld id="{5E75392F-B4A5-4821-9661-89672F70A95E}" type="datetimeFigureOut">
               <a:rPr lang="en-US" smtClean="0"/>
-              <a:t>12/3/2019</a:t>
+              <a:t>12/6/2019</a:t>
             </a:fld>
             <a:endParaRPr lang="en-US"/>
           </a:p>
@@ -1836,7 +1837,7 @@
           <a:p>
             <a:fld id="{5E75392F-B4A5-4821-9661-89672F70A95E}" type="datetimeFigureOut">
               <a:rPr lang="en-US" smtClean="0"/>
-              <a:t>12/3/2019</a:t>
+              <a:t>12/6/2019</a:t>
             </a:fld>
             <a:endParaRPr lang="en-US"/>
           </a:p>
@@ -1977,7 +1978,7 @@
           <a:p>
             <a:fld id="{5E75392F-B4A5-4821-9661-89672F70A95E}" type="datetimeFigureOut">
               <a:rPr lang="en-US" smtClean="0"/>
-              <a:t>12/3/2019</a:t>
+              <a:t>12/6/2019</a:t>
             </a:fld>
             <a:endParaRPr lang="en-US"/>
           </a:p>
@@ -2090,7 +2091,7 @@
           <a:p>
             <a:fld id="{5E75392F-B4A5-4821-9661-89672F70A95E}" type="datetimeFigureOut">
               <a:rPr lang="en-US" smtClean="0"/>
-              <a:t>12/3/2019</a:t>
+              <a:t>12/6/2019</a:t>
             </a:fld>
             <a:endParaRPr lang="en-US"/>
           </a:p>
@@ -2401,7 +2402,7 @@
           <a:p>
             <a:fld id="{5E75392F-B4A5-4821-9661-89672F70A95E}" type="datetimeFigureOut">
               <a:rPr lang="en-US" smtClean="0"/>
-              <a:t>12/3/2019</a:t>
+              <a:t>12/6/2019</a:t>
             </a:fld>
             <a:endParaRPr lang="en-US"/>
           </a:p>
@@ -2689,7 +2690,7 @@
           <a:p>
             <a:fld id="{5E75392F-B4A5-4821-9661-89672F70A95E}" type="datetimeFigureOut">
               <a:rPr lang="en-US" smtClean="0"/>
-              <a:t>12/3/2019</a:t>
+              <a:t>12/6/2019</a:t>
             </a:fld>
             <a:endParaRPr lang="en-US"/>
           </a:p>
@@ -2930,7 +2931,7 @@
           <a:p>
             <a:fld id="{5E75392F-B4A5-4821-9661-89672F70A95E}" type="datetimeFigureOut">
               <a:rPr lang="en-US" smtClean="0"/>
-              <a:t>12/3/2019</a:t>
+              <a:t>12/6/2019</a:t>
             </a:fld>
             <a:endParaRPr lang="en-US"/>
           </a:p>
@@ -7586,6 +7587,244 @@
 </p:sld>
 </file>
 
+<file path=ppt/slides/slide23.xml><?xml version="1.0" encoding="utf-8"?>
+<p:sld xmlns:a="http://schemas.openxmlformats.org/drawingml/2006/main" xmlns:r="http://schemas.openxmlformats.org/officeDocument/2006/relationships" xmlns:p="http://schemas.openxmlformats.org/presentationml/2006/main">
+  <p:cSld>
+    <p:spTree>
+      <p:nvGrpSpPr>
+        <p:cNvPr id="1" name=""/>
+        <p:cNvGrpSpPr/>
+        <p:nvPr/>
+      </p:nvGrpSpPr>
+      <p:grpSpPr>
+        <a:xfrm>
+          <a:off x="0" y="0"/>
+          <a:ext cx="0" cy="0"/>
+          <a:chOff x="0" y="0"/>
+          <a:chExt cx="0" cy="0"/>
+        </a:xfrm>
+      </p:grpSpPr>
+      <p:sp>
+        <p:nvSpPr>
+          <p:cNvPr id="2" name="TextBox 1">
+            <a:extLst>
+              <a:ext uri="{FF2B5EF4-FFF2-40B4-BE49-F238E27FC236}">
+                <a16:creationId xmlns:a16="http://schemas.microsoft.com/office/drawing/2014/main" id="{73ED38F3-0E40-4E05-86DF-18CA7B7DF6B3}"/>
+              </a:ext>
+            </a:extLst>
+          </p:cNvPr>
+          <p:cNvSpPr txBox="1"/>
+          <p:nvPr/>
+        </p:nvSpPr>
+        <p:spPr>
+          <a:xfrm>
+            <a:off x="864066" y="461394"/>
+            <a:ext cx="1561902" cy="523220"/>
+          </a:xfrm>
+          <a:prstGeom prst="rect">
+            <a:avLst/>
+          </a:prstGeom>
+          <a:noFill/>
+        </p:spPr>
+        <p:txBody>
+          <a:bodyPr wrap="none" rtlCol="0">
+            <a:spAutoFit/>
+          </a:bodyPr>
+          <a:lstStyle/>
+          <a:p>
+            <a:r>
+              <a:rPr lang="es-ES" sz="2800" b="1" dirty="0"/>
+              <a:t>SOURCES</a:t>
+            </a:r>
+            <a:endParaRPr lang="en-US" sz="2800" b="1" dirty="0"/>
+          </a:p>
+        </p:txBody>
+      </p:sp>
+      <p:sp>
+        <p:nvSpPr>
+          <p:cNvPr id="3" name="Rectangle 2">
+            <a:extLst>
+              <a:ext uri="{FF2B5EF4-FFF2-40B4-BE49-F238E27FC236}">
+                <a16:creationId xmlns:a16="http://schemas.microsoft.com/office/drawing/2014/main" id="{B9B814BE-29E8-4C88-AF4E-B4FA6107C343}"/>
+              </a:ext>
+            </a:extLst>
+          </p:cNvPr>
+          <p:cNvSpPr/>
+          <p:nvPr/>
+        </p:nvSpPr>
+        <p:spPr>
+          <a:xfrm>
+            <a:off x="947956" y="0"/>
+            <a:ext cx="1182847" cy="117445"/>
+          </a:xfrm>
+          <a:prstGeom prst="rect">
+            <a:avLst/>
+          </a:prstGeom>
+          <a:solidFill>
+            <a:schemeClr val="accent2"/>
+          </a:solidFill>
+          <a:ln>
+            <a:solidFill>
+              <a:schemeClr val="accent2"/>
+            </a:solidFill>
+          </a:ln>
+        </p:spPr>
+        <p:style>
+          <a:lnRef idx="2">
+            <a:schemeClr val="accent1">
+              <a:shade val="50000"/>
+            </a:schemeClr>
+          </a:lnRef>
+          <a:fillRef idx="1">
+            <a:schemeClr val="accent1"/>
+          </a:fillRef>
+          <a:effectRef idx="0">
+            <a:schemeClr val="accent1"/>
+          </a:effectRef>
+          <a:fontRef idx="minor">
+            <a:schemeClr val="lt1"/>
+          </a:fontRef>
+        </p:style>
+        <p:txBody>
+          <a:bodyPr rtlCol="0" anchor="ctr"/>
+          <a:lstStyle/>
+          <a:p>
+            <a:pPr algn="ctr"/>
+            <a:endParaRPr lang="en-US" dirty="0"/>
+          </a:p>
+        </p:txBody>
+      </p:sp>
+      <p:sp>
+        <p:nvSpPr>
+          <p:cNvPr id="4" name="TextBox 3">
+            <a:extLst>
+              <a:ext uri="{FF2B5EF4-FFF2-40B4-BE49-F238E27FC236}">
+                <a16:creationId xmlns:a16="http://schemas.microsoft.com/office/drawing/2014/main" id="{5FFA6A20-AEB2-4C0B-81E3-2E3FB3970D13}"/>
+              </a:ext>
+            </a:extLst>
+          </p:cNvPr>
+          <p:cNvSpPr txBox="1"/>
+          <p:nvPr/>
+        </p:nvSpPr>
+        <p:spPr>
+          <a:xfrm>
+            <a:off x="864066" y="1468073"/>
+            <a:ext cx="5351530" cy="923330"/>
+          </a:xfrm>
+          <a:prstGeom prst="rect">
+            <a:avLst/>
+          </a:prstGeom>
+          <a:noFill/>
+        </p:spPr>
+        <p:txBody>
+          <a:bodyPr wrap="none" rtlCol="0">
+            <a:spAutoFit/>
+          </a:bodyPr>
+          <a:lstStyle/>
+          <a:p>
+            <a:r>
+              <a:rPr lang="en-US" dirty="0" err="1"/>
+              <a:t>Leantime</a:t>
+            </a:r>
+            <a:r>
+              <a:rPr lang="en-US" dirty="0"/>
+              <a:t> (2019). Retrieved from https://leantime.io</a:t>
+            </a:r>
+          </a:p>
+          <a:p>
+            <a:endParaRPr lang="en-US" dirty="0"/>
+          </a:p>
+          <a:p>
+            <a:r>
+              <a:rPr lang="en-US" dirty="0"/>
+              <a:t>Docker (2019). Retrieved from https://docs.docker.com</a:t>
+            </a:r>
+          </a:p>
+        </p:txBody>
+      </p:sp>
+      <p:sp>
+        <p:nvSpPr>
+          <p:cNvPr id="5" name="TextBox 4">
+            <a:extLst>
+              <a:ext uri="{FF2B5EF4-FFF2-40B4-BE49-F238E27FC236}">
+                <a16:creationId xmlns:a16="http://schemas.microsoft.com/office/drawing/2014/main" id="{8C3C6FE6-EE76-42D7-8F1F-E166C5033000}"/>
+              </a:ext>
+            </a:extLst>
+          </p:cNvPr>
+          <p:cNvSpPr txBox="1"/>
+          <p:nvPr/>
+        </p:nvSpPr>
+        <p:spPr>
+          <a:xfrm>
+            <a:off x="868298" y="2874862"/>
+            <a:ext cx="1366849" cy="369332"/>
+          </a:xfrm>
+          <a:prstGeom prst="rect">
+            <a:avLst/>
+          </a:prstGeom>
+          <a:noFill/>
+        </p:spPr>
+        <p:txBody>
+          <a:bodyPr wrap="none" rtlCol="0">
+            <a:spAutoFit/>
+          </a:bodyPr>
+          <a:lstStyle/>
+          <a:p>
+            <a:r>
+              <a:rPr lang="en-US" b="1" dirty="0"/>
+              <a:t>Repositories</a:t>
+            </a:r>
+          </a:p>
+        </p:txBody>
+      </p:sp>
+      <p:sp>
+        <p:nvSpPr>
+          <p:cNvPr id="6" name="TextBox 5">
+            <a:extLst>
+              <a:ext uri="{FF2B5EF4-FFF2-40B4-BE49-F238E27FC236}">
+                <a16:creationId xmlns:a16="http://schemas.microsoft.com/office/drawing/2014/main" id="{BDE3C457-58C3-480C-8FD9-7C2C01C7B5B8}"/>
+              </a:ext>
+            </a:extLst>
+          </p:cNvPr>
+          <p:cNvSpPr txBox="1"/>
+          <p:nvPr/>
+        </p:nvSpPr>
+        <p:spPr>
+          <a:xfrm>
+            <a:off x="880844" y="3501042"/>
+            <a:ext cx="3848489" cy="369332"/>
+          </a:xfrm>
+          <a:prstGeom prst="rect">
+            <a:avLst/>
+          </a:prstGeom>
+          <a:noFill/>
+        </p:spPr>
+        <p:txBody>
+          <a:bodyPr wrap="none" rtlCol="0">
+            <a:spAutoFit/>
+          </a:bodyPr>
+          <a:lstStyle/>
+          <a:p>
+            <a:r>
+              <a:rPr lang="en-US" dirty="0"/>
+              <a:t>https://github.com/Leantime/leantime</a:t>
+            </a:r>
+          </a:p>
+        </p:txBody>
+      </p:sp>
+    </p:spTree>
+    <p:extLst>
+      <p:ext uri="{BB962C8B-B14F-4D97-AF65-F5344CB8AC3E}">
+        <p14:creationId xmlns:p14="http://schemas.microsoft.com/office/powerpoint/2010/main" val="2324412454"/>
+      </p:ext>
+    </p:extLst>
+  </p:cSld>
+  <p:clrMapOvr>
+    <a:masterClrMapping/>
+  </p:clrMapOvr>
+</p:sld>
+</file>
+
 <file path=ppt/slides/slide3.xml><?xml version="1.0" encoding="utf-8"?>
 <p:sld xmlns:a="http://schemas.openxmlformats.org/drawingml/2006/main" xmlns:r="http://schemas.openxmlformats.org/officeDocument/2006/relationships" xmlns:p="http://schemas.openxmlformats.org/presentationml/2006/main">
   <p:cSld>
